--- a/Report/Презентація диплому.pptx
+++ b/Report/Презентація диплому.pptx
@@ -5,7 +5,7 @@
     <p:sldMasterId id="2147483756" r:id="rId1"/>
   </p:sldMasterIdLst>
   <p:notesMasterIdLst>
-    <p:notesMasterId r:id="rId13"/>
+    <p:notesMasterId r:id="rId15"/>
   </p:notesMasterIdLst>
   <p:sldIdLst>
     <p:sldId id="256" r:id="rId2"/>
@@ -16,9 +16,11 @@
     <p:sldId id="260" r:id="rId7"/>
     <p:sldId id="261" r:id="rId8"/>
     <p:sldId id="262" r:id="rId9"/>
-    <p:sldId id="266" r:id="rId10"/>
-    <p:sldId id="263" r:id="rId11"/>
-    <p:sldId id="264" r:id="rId12"/>
+    <p:sldId id="267" r:id="rId10"/>
+    <p:sldId id="268" r:id="rId11"/>
+    <p:sldId id="266" r:id="rId12"/>
+    <p:sldId id="263" r:id="rId13"/>
+    <p:sldId id="264" r:id="rId14"/>
   </p:sldIdLst>
   <p:sldSz cx="9144000" cy="6858000" type="screen4x3"/>
   <p:notesSz cx="6858000" cy="9144000"/>
@@ -4353,15 +4355,7 @@
             <a:pPr algn="ctr"/>
             <a:r>
               <a:rPr lang="uk-UA" sz="3600" dirty="0" smtClean="0"/>
-              <a:t>«Електронне меню для закладів громадського </a:t>
-            </a:r>
-            <a:r>
-              <a:rPr lang="uk-UA" sz="3600" dirty="0" smtClean="0"/>
-              <a:t>харчування</a:t>
-            </a:r>
-            <a:r>
-              <a:rPr lang="uk-UA" sz="3600" dirty="0" smtClean="0"/>
-              <a:t>»</a:t>
+              <a:t>«Електронне меню для закладів громадського харчування»</a:t>
             </a:r>
             <a:endParaRPr lang="ru-RU" sz="3600" dirty="0"/>
           </a:p>
@@ -4874,23 +4868,7 @@
                   <a:schemeClr val="tx1"/>
                 </a:solidFill>
               </a:rPr>
-              <a:t>Студент </a:t>
-            </a:r>
-            <a:r>
-              <a:rPr lang="uk-UA" sz="2400" dirty="0">
-                <a:solidFill>
-                  <a:schemeClr val="tx1"/>
-                </a:solidFill>
-              </a:rPr>
-              <a:t>541</a:t>
-            </a:r>
-            <a:r>
-              <a:rPr lang="uk-UA" sz="2400" dirty="0">
-                <a:solidFill>
-                  <a:schemeClr val="tx1"/>
-                </a:solidFill>
-              </a:rPr>
-              <a:t> групи:</a:t>
+              <a:t>Студент 541 групи:</a:t>
             </a:r>
           </a:p>
           <a:p>
@@ -4909,15 +4887,7 @@
                   <a:schemeClr val="tx1"/>
                 </a:solidFill>
               </a:rPr>
-              <a:t> </a:t>
-            </a:r>
-            <a:r>
-              <a:rPr lang="uk-UA" sz="2400" dirty="0">
-                <a:solidFill>
-                  <a:schemeClr val="tx1"/>
-                </a:solidFill>
-              </a:rPr>
-              <a:t>Ю. В.</a:t>
+              <a:t> Ю. В.</a:t>
             </a:r>
           </a:p>
           <a:p>
@@ -4946,11 +4916,6 @@
               </a:rPr>
               <a:t> І.В.</a:t>
             </a:r>
-            <a:endParaRPr lang="uk-UA" sz="2400" dirty="0">
-              <a:solidFill>
-                <a:schemeClr val="tx1"/>
-              </a:solidFill>
-            </a:endParaRPr>
           </a:p>
           <a:p>
             <a:endParaRPr lang="ru-RU" dirty="0"/>
@@ -5016,6 +4981,410 @@
           <a:chExt cx="0" cy="0"/>
         </a:xfrm>
       </p:grpSpPr>
+      <p:pic>
+        <p:nvPicPr>
+          <p:cNvPr id="5" name="Picture 2"/>
+          <p:cNvPicPr>
+            <a:picLocks noGrp="1" noChangeAspect="1" noChangeArrowheads="1"/>
+          </p:cNvPicPr>
+          <p:nvPr>
+            <p:ph idx="1"/>
+          </p:nvPr>
+        </p:nvPicPr>
+        <p:blipFill>
+          <a:blip r:embed="rId2">
+            <a:extLst>
+              <a:ext uri="{28A0092B-C50C-407E-A947-70E740481C1C}">
+                <a14:useLocalDpi xmlns:a14="http://schemas.microsoft.com/office/drawing/2010/main" val="0"/>
+              </a:ext>
+            </a:extLst>
+          </a:blip>
+          <a:srcRect/>
+          <a:stretch>
+            <a:fillRect/>
+          </a:stretch>
+        </p:blipFill>
+        <p:spPr bwMode="auto">
+          <a:xfrm>
+            <a:off x="1403648" y="1124744"/>
+            <a:ext cx="6323644" cy="4389437"/>
+          </a:xfrm>
+          <a:prstGeom prst="rect">
+            <a:avLst/>
+          </a:prstGeom>
+          <a:noFill/>
+          <a:ln>
+            <a:noFill/>
+          </a:ln>
+          <a:effectLst/>
+          <a:extLst>
+            <a:ext uri="{909E8E84-426E-40DD-AFC4-6F175D3DCCD1}">
+              <a14:hiddenFill xmlns:a14="http://schemas.microsoft.com/office/drawing/2010/main">
+                <a:solidFill>
+                  <a:schemeClr val="accent1"/>
+                </a:solidFill>
+              </a14:hiddenFill>
+            </a:ext>
+            <a:ext uri="{91240B29-F687-4F45-9708-019B960494DF}">
+              <a14:hiddenLine xmlns:a14="http://schemas.microsoft.com/office/drawing/2010/main" w="9525">
+                <a:solidFill>
+                  <a:schemeClr val="tx1"/>
+                </a:solidFill>
+                <a:miter lim="800000"/>
+                <a:headEnd/>
+                <a:tailEnd/>
+              </a14:hiddenLine>
+            </a:ext>
+            <a:ext uri="{AF507438-7753-43E0-B8FC-AC1667EBCBE1}">
+              <a14:hiddenEffects xmlns:a14="http://schemas.microsoft.com/office/drawing/2010/main">
+                <a:effectLst>
+                  <a:outerShdw dist="35921" dir="2700000" algn="ctr" rotWithShape="0">
+                    <a:schemeClr val="bg2"/>
+                  </a:outerShdw>
+                </a:effectLst>
+              </a14:hiddenEffects>
+            </a:ext>
+          </a:extLst>
+        </p:spPr>
+      </p:pic>
+      <p:sp>
+        <p:nvSpPr>
+          <p:cNvPr id="6" name="TextBox 5"/>
+          <p:cNvSpPr txBox="1"/>
+          <p:nvPr/>
+        </p:nvSpPr>
+        <p:spPr>
+          <a:xfrm>
+            <a:off x="0" y="5611911"/>
+            <a:ext cx="9144000" cy="369332"/>
+          </a:xfrm>
+          <a:prstGeom prst="rect">
+            <a:avLst/>
+          </a:prstGeom>
+          <a:noFill/>
+        </p:spPr>
+        <p:txBody>
+          <a:bodyPr wrap="square" rtlCol="0">
+            <a:spAutoFit/>
+          </a:bodyPr>
+          <a:lstStyle/>
+          <a:p>
+            <a:pPr algn="ctr"/>
+            <a:r>
+              <a:rPr lang="uk-UA" dirty="0" smtClean="0">
+                <a:solidFill>
+                  <a:srgbClr val="002060"/>
+                </a:solidFill>
+              </a:rPr>
+              <a:t>Вікно для роботи офіціанта</a:t>
+            </a:r>
+            <a:endParaRPr lang="ru-RU" dirty="0">
+              <a:solidFill>
+                <a:srgbClr val="002060"/>
+              </a:solidFill>
+            </a:endParaRPr>
+          </a:p>
+        </p:txBody>
+      </p:sp>
+    </p:spTree>
+    <p:extLst>
+      <p:ext uri="{BB962C8B-B14F-4D97-AF65-F5344CB8AC3E}">
+        <p14:creationId xmlns:p14="http://schemas.microsoft.com/office/powerpoint/2010/main" val="3769561697"/>
+      </p:ext>
+    </p:extLst>
+  </p:cSld>
+  <p:clrMapOvr>
+    <a:masterClrMapping/>
+  </p:clrMapOvr>
+</p:sld>
+</file>
+
+<file path=ppt/slides/slide11.xml><?xml version="1.0" encoding="utf-8"?>
+<p:sld xmlns:a="http://schemas.openxmlformats.org/drawingml/2006/main" xmlns:r="http://schemas.openxmlformats.org/officeDocument/2006/relationships" xmlns:p="http://schemas.openxmlformats.org/presentationml/2006/main">
+  <p:cSld>
+    <p:spTree>
+      <p:nvGrpSpPr>
+        <p:cNvPr id="1" name=""/>
+        <p:cNvGrpSpPr/>
+        <p:nvPr/>
+      </p:nvGrpSpPr>
+      <p:grpSpPr>
+        <a:xfrm>
+          <a:off x="0" y="0"/>
+          <a:ext cx="0" cy="0"/>
+          <a:chOff x="0" y="0"/>
+          <a:chExt cx="0" cy="0"/>
+        </a:xfrm>
+      </p:grpSpPr>
+      <p:sp>
+        <p:nvSpPr>
+          <p:cNvPr id="2" name="Заголовок 1"/>
+          <p:cNvSpPr>
+            <a:spLocks noGrp="1"/>
+          </p:cNvSpPr>
+          <p:nvPr>
+            <p:ph type="title"/>
+          </p:nvPr>
+        </p:nvSpPr>
+        <p:spPr>
+          <a:xfrm>
+            <a:off x="0" y="764704"/>
+            <a:ext cx="9144000" cy="722344"/>
+          </a:xfrm>
+        </p:spPr>
+        <p:txBody>
+          <a:bodyPr>
+            <a:noAutofit/>
+          </a:bodyPr>
+          <a:lstStyle/>
+          <a:p>
+            <a:pPr algn="ctr"/>
+            <a:r>
+              <a:rPr lang="uk-UA" dirty="0" smtClean="0"/>
+              <a:t>Тестування</a:t>
+            </a:r>
+            <a:endParaRPr lang="ru-RU" dirty="0"/>
+          </a:p>
+        </p:txBody>
+      </p:sp>
+      <p:sp>
+        <p:nvSpPr>
+          <p:cNvPr id="3" name="Объект 2"/>
+          <p:cNvSpPr>
+            <a:spLocks noGrp="1"/>
+          </p:cNvSpPr>
+          <p:nvPr>
+            <p:ph idx="1"/>
+          </p:nvPr>
+        </p:nvSpPr>
+        <p:spPr>
+          <a:xfrm>
+            <a:off x="457200" y="1484784"/>
+            <a:ext cx="8229600" cy="4839816"/>
+          </a:xfrm>
+        </p:spPr>
+        <p:txBody>
+          <a:bodyPr>
+            <a:normAutofit/>
+          </a:bodyPr>
+          <a:lstStyle/>
+          <a:p>
+            <a:pPr marL="0" indent="0" algn="ctr">
+              <a:buNone/>
+            </a:pPr>
+            <a:r>
+              <a:rPr lang="uk-UA" sz="2100" dirty="0" smtClean="0">
+                <a:solidFill>
+                  <a:srgbClr val="002060"/>
+                </a:solidFill>
+              </a:rPr>
+              <a:t>Зайти під доступом: адміністратор. Використовуючи логін «</a:t>
+            </a:r>
+            <a:r>
+              <a:rPr lang="en-US" sz="2100" dirty="0" smtClean="0">
+                <a:solidFill>
+                  <a:srgbClr val="002060"/>
+                </a:solidFill>
+              </a:rPr>
+              <a:t>admin</a:t>
+            </a:r>
+            <a:r>
+              <a:rPr lang="uk-UA" sz="2100" dirty="0" smtClean="0">
+                <a:solidFill>
+                  <a:srgbClr val="002060"/>
+                </a:solidFill>
+              </a:rPr>
+              <a:t>»</a:t>
+            </a:r>
+            <a:r>
+              <a:rPr lang="en-US" sz="2100" dirty="0" smtClean="0">
+                <a:solidFill>
+                  <a:srgbClr val="002060"/>
+                </a:solidFill>
+              </a:rPr>
+              <a:t> </a:t>
+            </a:r>
+            <a:r>
+              <a:rPr lang="uk-UA" sz="2100" dirty="0" smtClean="0">
+                <a:solidFill>
+                  <a:srgbClr val="002060"/>
+                </a:solidFill>
+              </a:rPr>
+              <a:t>та </a:t>
+            </a:r>
+            <a:r>
+              <a:rPr lang="ru-RU" sz="2100" dirty="0" smtClean="0">
+                <a:solidFill>
+                  <a:srgbClr val="002060"/>
+                </a:solidFill>
+              </a:rPr>
+              <a:t>пароль «</a:t>
+            </a:r>
+            <a:r>
+              <a:rPr lang="en-US" sz="2100" dirty="0" smtClean="0">
+                <a:solidFill>
+                  <a:srgbClr val="002060"/>
+                </a:solidFill>
+              </a:rPr>
+              <a:t>admin</a:t>
+            </a:r>
+            <a:r>
+              <a:rPr lang="ru-RU" sz="2100" dirty="0" smtClean="0">
+                <a:solidFill>
+                  <a:srgbClr val="002060"/>
+                </a:solidFill>
+              </a:rPr>
+              <a:t>»</a:t>
+            </a:r>
+            <a:r>
+              <a:rPr lang="uk-UA" sz="2100" dirty="0" smtClean="0">
+                <a:solidFill>
+                  <a:srgbClr val="002060"/>
+                </a:solidFill>
+              </a:rPr>
+              <a:t>, та відкрити вікно «Адміністратор»</a:t>
+            </a:r>
+            <a:endParaRPr lang="ru-RU" sz="2100" dirty="0">
+              <a:solidFill>
+                <a:srgbClr val="002060"/>
+              </a:solidFill>
+            </a:endParaRPr>
+          </a:p>
+        </p:txBody>
+      </p:sp>
+      <p:pic>
+        <p:nvPicPr>
+          <p:cNvPr id="5122" name="Picture 2"/>
+          <p:cNvPicPr>
+            <a:picLocks noChangeAspect="1" noChangeArrowheads="1"/>
+          </p:cNvPicPr>
+          <p:nvPr/>
+        </p:nvPicPr>
+        <p:blipFill>
+          <a:blip r:embed="rId2">
+            <a:extLst>
+              <a:ext uri="{28A0092B-C50C-407E-A947-70E740481C1C}">
+                <a14:useLocalDpi xmlns:a14="http://schemas.microsoft.com/office/drawing/2010/main" val="0"/>
+              </a:ext>
+            </a:extLst>
+          </a:blip>
+          <a:srcRect/>
+          <a:stretch>
+            <a:fillRect/>
+          </a:stretch>
+        </p:blipFill>
+        <p:spPr bwMode="auto">
+          <a:xfrm>
+            <a:off x="1763688" y="2276872"/>
+            <a:ext cx="5688632" cy="3627165"/>
+          </a:xfrm>
+          <a:prstGeom prst="rect">
+            <a:avLst/>
+          </a:prstGeom>
+          <a:noFill/>
+          <a:ln>
+            <a:noFill/>
+          </a:ln>
+          <a:effectLst/>
+          <a:extLst>
+            <a:ext uri="{909E8E84-426E-40DD-AFC4-6F175D3DCCD1}">
+              <a14:hiddenFill xmlns:a14="http://schemas.microsoft.com/office/drawing/2010/main">
+                <a:solidFill>
+                  <a:schemeClr val="accent1"/>
+                </a:solidFill>
+              </a14:hiddenFill>
+            </a:ext>
+            <a:ext uri="{91240B29-F687-4F45-9708-019B960494DF}">
+              <a14:hiddenLine xmlns:a14="http://schemas.microsoft.com/office/drawing/2010/main" w="9525">
+                <a:solidFill>
+                  <a:schemeClr val="tx1"/>
+                </a:solidFill>
+                <a:miter lim="800000"/>
+                <a:headEnd/>
+                <a:tailEnd/>
+              </a14:hiddenLine>
+            </a:ext>
+            <a:ext uri="{AF507438-7753-43E0-B8FC-AC1667EBCBE1}">
+              <a14:hiddenEffects xmlns:a14="http://schemas.microsoft.com/office/drawing/2010/main">
+                <a:effectLst>
+                  <a:outerShdw dist="35921" dir="2700000" algn="ctr" rotWithShape="0">
+                    <a:schemeClr val="bg2"/>
+                  </a:outerShdw>
+                </a:effectLst>
+              </a14:hiddenEffects>
+            </a:ext>
+          </a:extLst>
+        </p:spPr>
+      </p:pic>
+      <p:sp>
+        <p:nvSpPr>
+          <p:cNvPr id="5" name="TextBox 4"/>
+          <p:cNvSpPr txBox="1"/>
+          <p:nvPr/>
+        </p:nvSpPr>
+        <p:spPr>
+          <a:xfrm>
+            <a:off x="6508" y="5972416"/>
+            <a:ext cx="9144000" cy="369332"/>
+          </a:xfrm>
+          <a:prstGeom prst="rect">
+            <a:avLst/>
+          </a:prstGeom>
+          <a:noFill/>
+        </p:spPr>
+        <p:txBody>
+          <a:bodyPr wrap="square" rtlCol="0">
+            <a:spAutoFit/>
+          </a:bodyPr>
+          <a:lstStyle/>
+          <a:p>
+            <a:pPr algn="ctr"/>
+            <a:r>
+              <a:rPr lang="uk-UA" dirty="0" smtClean="0">
+                <a:solidFill>
+                  <a:srgbClr val="002060"/>
+                </a:solidFill>
+              </a:rPr>
+              <a:t>Результат тестування</a:t>
+            </a:r>
+            <a:endParaRPr lang="ru-RU" dirty="0">
+              <a:solidFill>
+                <a:srgbClr val="002060"/>
+              </a:solidFill>
+            </a:endParaRPr>
+          </a:p>
+        </p:txBody>
+      </p:sp>
+    </p:spTree>
+    <p:extLst>
+      <p:ext uri="{BB962C8B-B14F-4D97-AF65-F5344CB8AC3E}">
+        <p14:creationId xmlns:p14="http://schemas.microsoft.com/office/powerpoint/2010/main" val="4202869864"/>
+      </p:ext>
+    </p:extLst>
+  </p:cSld>
+  <p:clrMapOvr>
+    <a:masterClrMapping/>
+  </p:clrMapOvr>
+</p:sld>
+</file>
+
+<file path=ppt/slides/slide12.xml><?xml version="1.0" encoding="utf-8"?>
+<p:sld xmlns:a="http://schemas.openxmlformats.org/drawingml/2006/main" xmlns:r="http://schemas.openxmlformats.org/officeDocument/2006/relationships" xmlns:p="http://schemas.openxmlformats.org/presentationml/2006/main">
+  <p:cSld>
+    <p:spTree>
+      <p:nvGrpSpPr>
+        <p:cNvPr id="1" name=""/>
+        <p:cNvGrpSpPr/>
+        <p:nvPr/>
+      </p:nvGrpSpPr>
+      <p:grpSpPr>
+        <a:xfrm>
+          <a:off x="0" y="0"/>
+          <a:ext cx="0" cy="0"/>
+          <a:chOff x="0" y="0"/>
+          <a:chExt cx="0" cy="0"/>
+        </a:xfrm>
+      </p:grpSpPr>
       <p:sp>
         <p:nvSpPr>
           <p:cNvPr id="2" name="Заголовок 1"/>
@@ -5079,7 +5448,7 @@
 </p:sld>
 </file>
 
-<file path=ppt/slides/slide11.xml><?xml version="1.0" encoding="utf-8"?>
+<file path=ppt/slides/slide13.xml><?xml version="1.0" encoding="utf-8"?>
 <p:sld xmlns:a="http://schemas.openxmlformats.org/drawingml/2006/main" xmlns:r="http://schemas.openxmlformats.org/officeDocument/2006/relationships" xmlns:p="http://schemas.openxmlformats.org/presentationml/2006/main">
   <p:cSld>
     <p:spTree>
@@ -5670,30 +6039,184 @@
             <p:ph idx="1"/>
           </p:nvPr>
         </p:nvSpPr>
-        <p:spPr/>
+        <p:spPr>
+          <a:xfrm>
+            <a:off x="2075995" y="2216677"/>
+            <a:ext cx="7067128" cy="1152128"/>
+          </a:xfrm>
+        </p:spPr>
         <p:txBody>
           <a:bodyPr/>
           <a:lstStyle/>
           <a:p>
-            <a:r>
-              <a:rPr lang="uk-UA" dirty="0" smtClean="0"/>
+            <a:pPr marL="0" indent="0">
+              <a:buNone/>
+            </a:pPr>
+            <a:r>
+              <a:rPr lang="uk-UA" dirty="0" smtClean="0">
+                <a:solidFill>
+                  <a:srgbClr val="002060"/>
+                </a:solidFill>
+              </a:rPr>
               <a:t>Середовище розробки </a:t>
             </a:r>
             <a:r>
-              <a:rPr lang="en-US" dirty="0" smtClean="0"/>
-              <a:t>Embarcadero RAD Studio 10.2 Tokyo C++ Builder</a:t>
-            </a:r>
-          </a:p>
-          <a:p>
-            <a:r>
-              <a:rPr lang="uk-UA" dirty="0" smtClean="0"/>
+              <a:rPr lang="en-US" dirty="0" smtClean="0">
+                <a:solidFill>
+                  <a:srgbClr val="002060"/>
+                </a:solidFill>
+              </a:rPr>
+              <a:t>Embarcadero RAD Studio 10.2 Tokyo C++ </a:t>
+            </a:r>
+            <a:r>
+              <a:rPr lang="en-US" dirty="0" smtClean="0">
+                <a:solidFill>
+                  <a:srgbClr val="002060"/>
+                </a:solidFill>
+              </a:rPr>
+              <a:t>Builder</a:t>
+            </a:r>
+            <a:endParaRPr lang="en-US" dirty="0" smtClean="0">
+              <a:solidFill>
+                <a:srgbClr val="002060"/>
+              </a:solidFill>
+            </a:endParaRPr>
+          </a:p>
+        </p:txBody>
+      </p:sp>
+      <p:pic>
+        <p:nvPicPr>
+          <p:cNvPr id="1026" name="Picture 2" descr="E:\eMenu\Report\if_Database_copy_Amazon_RDS_MS_SQL_Instance_259317.png"/>
+          <p:cNvPicPr>
+            <a:picLocks noChangeAspect="1" noChangeArrowheads="1"/>
+          </p:cNvPicPr>
+          <p:nvPr/>
+        </p:nvPicPr>
+        <p:blipFill>
+          <a:blip r:embed="rId2">
+            <a:extLst>
+              <a:ext uri="{28A0092B-C50C-407E-A947-70E740481C1C}">
+                <a14:useLocalDpi xmlns:a14="http://schemas.microsoft.com/office/drawing/2010/main" val="0"/>
+              </a:ext>
+            </a:extLst>
+          </a:blip>
+          <a:srcRect/>
+          <a:stretch>
+            <a:fillRect/>
+          </a:stretch>
+        </p:blipFill>
+        <p:spPr bwMode="auto">
+          <a:xfrm>
+            <a:off x="317648" y="3429000"/>
+            <a:ext cx="1996141" cy="1996141"/>
+          </a:xfrm>
+          <a:prstGeom prst="rect">
+            <a:avLst/>
+          </a:prstGeom>
+          <a:noFill/>
+          <a:extLst>
+            <a:ext uri="{909E8E84-426E-40DD-AFC4-6F175D3DCCD1}">
+              <a14:hiddenFill xmlns:a14="http://schemas.microsoft.com/office/drawing/2010/main">
+                <a:solidFill>
+                  <a:srgbClr val="FFFFFF"/>
+                </a:solidFill>
+              </a14:hiddenFill>
+            </a:ext>
+          </a:extLst>
+        </p:spPr>
+      </p:pic>
+      <p:pic>
+        <p:nvPicPr>
+          <p:cNvPr id="1028" name="Picture 4" descr="E:\eMenu\Report\UBj7Sx0.png"/>
+          <p:cNvPicPr>
+            <a:picLocks noChangeAspect="1" noChangeArrowheads="1"/>
+          </p:cNvPicPr>
+          <p:nvPr/>
+        </p:nvPicPr>
+        <p:blipFill>
+          <a:blip r:embed="rId3" cstate="print">
+            <a:extLst>
+              <a:ext uri="{28A0092B-C50C-407E-A947-70E740481C1C}">
+                <a14:useLocalDpi xmlns:a14="http://schemas.microsoft.com/office/drawing/2010/main" val="0"/>
+              </a:ext>
+            </a:extLst>
+          </a:blip>
+          <a:srcRect/>
+          <a:stretch>
+            <a:fillRect/>
+          </a:stretch>
+        </p:blipFill>
+        <p:spPr bwMode="auto">
+          <a:xfrm>
+            <a:off x="683568" y="2034076"/>
+            <a:ext cx="1264303" cy="1264303"/>
+          </a:xfrm>
+          <a:prstGeom prst="rect">
+            <a:avLst/>
+          </a:prstGeom>
+          <a:noFill/>
+          <a:extLst>
+            <a:ext uri="{909E8E84-426E-40DD-AFC4-6F175D3DCCD1}">
+              <a14:hiddenFill xmlns:a14="http://schemas.microsoft.com/office/drawing/2010/main">
+                <a:solidFill>
+                  <a:srgbClr val="FFFFFF"/>
+                </a:solidFill>
+              </a14:hiddenFill>
+            </a:ext>
+          </a:extLst>
+        </p:spPr>
+      </p:pic>
+      <p:sp>
+        <p:nvSpPr>
+          <p:cNvPr id="4" name="Прямоугольник 3"/>
+          <p:cNvSpPr/>
+          <p:nvPr/>
+        </p:nvSpPr>
+        <p:spPr>
+          <a:xfrm>
+            <a:off x="2123728" y="3980794"/>
+            <a:ext cx="6264696" cy="892552"/>
+          </a:xfrm>
+          <a:prstGeom prst="rect">
+            <a:avLst/>
+          </a:prstGeom>
+        </p:spPr>
+        <p:txBody>
+          <a:bodyPr wrap="square">
+            <a:spAutoFit/>
+          </a:bodyPr>
+          <a:lstStyle/>
+          <a:p>
+            <a:pPr lvl="0">
+              <a:spcBef>
+                <a:spcPct val="20000"/>
+              </a:spcBef>
+              <a:buClr>
+                <a:srgbClr val="A04DA3"/>
+              </a:buClr>
+              <a:buSzPct val="95000"/>
+            </a:pPr>
+            <a:r>
+              <a:rPr lang="uk-UA" sz="2600" dirty="0">
+                <a:solidFill>
+                  <a:srgbClr val="002060"/>
+                </a:solidFill>
+              </a:rPr>
               <a:t>Системи управління базою даних </a:t>
             </a:r>
             <a:r>
-              <a:rPr lang="en-US" dirty="0" smtClean="0"/>
+              <a:rPr lang="en-US" sz="2600" dirty="0">
+                <a:solidFill>
+                  <a:srgbClr val="002060"/>
+                </a:solidFill>
+              </a:rPr>
               <a:t>Microsoft SQL Server</a:t>
             </a:r>
-            <a:endParaRPr lang="ru-RU" dirty="0"/>
+            <a:endParaRPr lang="ru-RU" sz="2600" dirty="0">
+              <a:solidFill>
+                <a:srgbClr val="002060"/>
+              </a:solidFill>
+            </a:endParaRPr>
           </a:p>
         </p:txBody>
       </p:sp>
@@ -5740,7 +6263,7 @@
         <p:spPr>
           <a:xfrm>
             <a:off x="0" y="620688"/>
-            <a:ext cx="9144000" cy="1442424"/>
+            <a:ext cx="9144000" cy="722344"/>
           </a:xfrm>
         </p:spPr>
         <p:txBody>
@@ -5752,7 +6275,15 @@
             <a:pPr algn="ctr"/>
             <a:r>
               <a:rPr lang="uk-UA" dirty="0" smtClean="0"/>
-              <a:t>Реалізація програмного забезпечення</a:t>
+              <a:t>П</a:t>
+            </a:r>
+            <a:r>
+              <a:rPr lang="uk-UA" dirty="0" smtClean="0"/>
+              <a:t>рограмне </a:t>
+            </a:r>
+            <a:r>
+              <a:rPr lang="uk-UA" dirty="0" smtClean="0"/>
+              <a:t>забезпечення</a:t>
             </a:r>
             <a:endParaRPr lang="ru-RU" dirty="0"/>
           </a:p>
@@ -5760,23 +6291,109 @@
       </p:sp>
       <p:sp>
         <p:nvSpPr>
-          <p:cNvPr id="3" name="Объект 2"/>
-          <p:cNvSpPr>
-            <a:spLocks noGrp="1"/>
-          </p:cNvSpPr>
+          <p:cNvPr id="4" name="TextBox 3"/>
+          <p:cNvSpPr txBox="1"/>
+          <p:nvPr/>
+        </p:nvSpPr>
+        <p:spPr>
+          <a:xfrm>
+            <a:off x="0" y="5981243"/>
+            <a:ext cx="9144000" cy="369332"/>
+          </a:xfrm>
+          <a:prstGeom prst="rect">
+            <a:avLst/>
+          </a:prstGeom>
+          <a:noFill/>
+        </p:spPr>
+        <p:txBody>
+          <a:bodyPr wrap="square" rtlCol="0">
+            <a:spAutoFit/>
+          </a:bodyPr>
+          <a:lstStyle/>
+          <a:p>
+            <a:pPr algn="ctr"/>
+            <a:r>
+              <a:rPr lang="uk-UA" dirty="0" smtClean="0">
+                <a:solidFill>
+                  <a:srgbClr val="002060"/>
+                </a:solidFill>
+              </a:rPr>
+              <a:t>Стартове вікно</a:t>
+            </a:r>
+            <a:endParaRPr lang="ru-RU" dirty="0">
+              <a:solidFill>
+                <a:srgbClr val="002060"/>
+              </a:solidFill>
+            </a:endParaRPr>
+          </a:p>
+        </p:txBody>
+      </p:sp>
+      <p:pic>
+        <p:nvPicPr>
+          <p:cNvPr id="10" name="Picture 4"/>
+          <p:cNvPicPr>
+            <a:picLocks noGrp="1" noChangeAspect="1" noChangeArrowheads="1"/>
+          </p:cNvPicPr>
           <p:nvPr>
             <p:ph idx="1"/>
           </p:nvPr>
-        </p:nvSpPr>
-        <p:spPr/>
-        <p:txBody>
-          <a:bodyPr/>
-          <a:lstStyle/>
-          <a:p>
-            <a:endParaRPr lang="ru-RU" dirty="0"/>
-          </a:p>
-        </p:txBody>
-      </p:sp>
+        </p:nvPicPr>
+        <p:blipFill>
+          <a:blip r:embed="rId2">
+            <a:extLst>
+              <a:ext uri="{28A0092B-C50C-407E-A947-70E740481C1C}">
+                <a14:useLocalDpi xmlns:a14="http://schemas.microsoft.com/office/drawing/2010/main" val="0"/>
+              </a:ext>
+            </a:extLst>
+          </a:blip>
+          <a:srcRect/>
+          <a:stretch>
+            <a:fillRect/>
+          </a:stretch>
+        </p:blipFill>
+        <p:spPr bwMode="auto">
+          <a:xfrm>
+            <a:off x="1404899" y="1484784"/>
+            <a:ext cx="6334201" cy="4389437"/>
+          </a:xfrm>
+          <a:prstGeom prst="rect">
+            <a:avLst/>
+          </a:prstGeom>
+          <a:noFill/>
+          <a:ln>
+            <a:noFill/>
+          </a:ln>
+          <a:effectLst/>
+          <a:extLst>
+            <a:ext uri="{909E8E84-426E-40DD-AFC4-6F175D3DCCD1}">
+              <a14:hiddenFill xmlns:a14="http://schemas.microsoft.com/office/drawing/2010/main">
+                <a:solidFill>
+                  <a:schemeClr val="accent1"/>
+                </a:solidFill>
+              </a14:hiddenFill>
+            </a:ext>
+            <a:ext uri="{91240B29-F687-4F45-9708-019B960494DF}">
+              <a14:hiddenLine xmlns:a14="http://schemas.microsoft.com/office/drawing/2010/main" w="9525">
+                <a:solidFill>
+                  <a:schemeClr val="tx1"/>
+                </a:solidFill>
+                <a:miter lim="800000"/>
+                <a:headEnd/>
+                <a:tailEnd/>
+              </a14:hiddenLine>
+            </a:ext>
+            <a:ext uri="{AF507438-7753-43E0-B8FC-AC1667EBCBE1}">
+              <a14:hiddenEffects xmlns:a14="http://schemas.microsoft.com/office/drawing/2010/main">
+                <a:effectLst>
+                  <a:outerShdw dist="35921" dir="2700000" algn="ctr" rotWithShape="0">
+                    <a:schemeClr val="bg2"/>
+                  </a:outerShdw>
+                </a:effectLst>
+              </a14:hiddenEffects>
+            </a:ext>
+          </a:extLst>
+        </p:spPr>
+      </p:pic>
     </p:spTree>
     <p:extLst>
       <p:ext uri="{BB962C8B-B14F-4D97-AF65-F5344CB8AC3E}">
@@ -5807,60 +6424,115 @@
           <a:chExt cx="0" cy="0"/>
         </a:xfrm>
       </p:grpSpPr>
-      <p:sp>
-        <p:nvSpPr>
-          <p:cNvPr id="2" name="Заголовок 1"/>
-          <p:cNvSpPr>
-            <a:spLocks noGrp="1"/>
-          </p:cNvSpPr>
-          <p:nvPr>
-            <p:ph type="title"/>
-          </p:nvPr>
+      <p:pic>
+        <p:nvPicPr>
+          <p:cNvPr id="5" name="Picture 2"/>
+          <p:cNvPicPr>
+            <a:picLocks noGrp="1" noChangeAspect="1" noChangeArrowheads="1"/>
+          </p:cNvPicPr>
+          <p:nvPr>
+            <p:ph idx="1"/>
+          </p:nvPr>
+        </p:nvPicPr>
+        <p:blipFill>
+          <a:blip r:embed="rId2">
+            <a:extLst>
+              <a:ext uri="{28A0092B-C50C-407E-A947-70E740481C1C}">
+                <a14:useLocalDpi xmlns:a14="http://schemas.microsoft.com/office/drawing/2010/main" val="0"/>
+              </a:ext>
+            </a:extLst>
+          </a:blip>
+          <a:srcRect/>
+          <a:stretch>
+            <a:fillRect/>
+          </a:stretch>
+        </p:blipFill>
+        <p:spPr bwMode="auto">
+          <a:xfrm>
+            <a:off x="899592" y="1124744"/>
+            <a:ext cx="7432779" cy="4389437"/>
+          </a:xfrm>
+          <a:prstGeom prst="rect">
+            <a:avLst/>
+          </a:prstGeom>
+          <a:noFill/>
+          <a:ln>
+            <a:noFill/>
+          </a:ln>
+          <a:effectLst/>
+          <a:extLst>
+            <a:ext uri="{909E8E84-426E-40DD-AFC4-6F175D3DCCD1}">
+              <a14:hiddenFill xmlns:a14="http://schemas.microsoft.com/office/drawing/2010/main">
+                <a:solidFill>
+                  <a:schemeClr val="accent1"/>
+                </a:solidFill>
+              </a14:hiddenFill>
+            </a:ext>
+            <a:ext uri="{91240B29-F687-4F45-9708-019B960494DF}">
+              <a14:hiddenLine xmlns:a14="http://schemas.microsoft.com/office/drawing/2010/main" w="9525">
+                <a:solidFill>
+                  <a:schemeClr val="tx1"/>
+                </a:solidFill>
+                <a:miter lim="800000"/>
+                <a:headEnd/>
+                <a:tailEnd/>
+              </a14:hiddenLine>
+            </a:ext>
+            <a:ext uri="{AF507438-7753-43E0-B8FC-AC1667EBCBE1}">
+              <a14:hiddenEffects xmlns:a14="http://schemas.microsoft.com/office/drawing/2010/main">
+                <a:effectLst>
+                  <a:outerShdw dist="35921" dir="2700000" algn="ctr" rotWithShape="0">
+                    <a:schemeClr val="bg2"/>
+                  </a:outerShdw>
+                </a:effectLst>
+              </a14:hiddenEffects>
+            </a:ext>
+          </a:extLst>
+        </p:spPr>
+      </p:pic>
+      <p:sp>
+        <p:nvSpPr>
+          <p:cNvPr id="6" name="TextBox 5"/>
+          <p:cNvSpPr txBox="1"/>
+          <p:nvPr/>
         </p:nvSpPr>
         <p:spPr>
           <a:xfrm>
-            <a:off x="0" y="764704"/>
-            <a:ext cx="9144000" cy="722344"/>
+            <a:off x="11300" y="5582875"/>
+            <a:ext cx="9144000" cy="369332"/>
           </a:xfrm>
+          <a:prstGeom prst="rect">
+            <a:avLst/>
+          </a:prstGeom>
+          <a:noFill/>
         </p:spPr>
         <p:txBody>
-          <a:bodyPr>
-            <a:noAutofit/>
+          <a:bodyPr wrap="square" rtlCol="0">
+            <a:spAutoFit/>
           </a:bodyPr>
           <a:lstStyle/>
           <a:p>
             <a:pPr algn="ctr"/>
             <a:r>
-              <a:rPr lang="uk-UA" dirty="0" smtClean="0"/>
-              <a:t>Тестування</a:t>
-            </a:r>
-            <a:endParaRPr lang="ru-RU" dirty="0"/>
-          </a:p>
-        </p:txBody>
-      </p:sp>
-      <p:sp>
-        <p:nvSpPr>
-          <p:cNvPr id="3" name="Объект 2"/>
-          <p:cNvSpPr>
-            <a:spLocks noGrp="1"/>
-          </p:cNvSpPr>
-          <p:nvPr>
-            <p:ph idx="1"/>
-          </p:nvPr>
-        </p:nvSpPr>
-        <p:spPr/>
-        <p:txBody>
-          <a:bodyPr/>
-          <a:lstStyle/>
-          <a:p>
-            <a:endParaRPr lang="ru-RU" dirty="0"/>
+              <a:rPr lang="uk-UA" dirty="0" smtClean="0">
+                <a:solidFill>
+                  <a:srgbClr val="002060"/>
+                </a:solidFill>
+              </a:rPr>
+              <a:t>Вікно для роботи адміністратора</a:t>
+            </a:r>
+            <a:endParaRPr lang="ru-RU" dirty="0">
+              <a:solidFill>
+                <a:srgbClr val="002060"/>
+              </a:solidFill>
+            </a:endParaRPr>
           </a:p>
         </p:txBody>
       </p:sp>
     </p:spTree>
     <p:extLst>
       <p:ext uri="{BB962C8B-B14F-4D97-AF65-F5344CB8AC3E}">
-        <p14:creationId xmlns:p14="http://schemas.microsoft.com/office/powerpoint/2010/main" val="4202869864"/>
+        <p14:creationId xmlns:p14="http://schemas.microsoft.com/office/powerpoint/2010/main" val="1488961364"/>
       </p:ext>
     </p:extLst>
   </p:cSld>

--- a/Report/Презентація диплому.pptx
+++ b/Report/Презентація диплому.pptx
@@ -4868,8 +4868,21 @@
                   <a:schemeClr val="tx1"/>
                 </a:solidFill>
               </a:rPr>
-              <a:t>Студент 541 групи:</a:t>
-            </a:r>
+              <a:t>Студент 541 </a:t>
+            </a:r>
+            <a:r>
+              <a:rPr lang="uk-UA" sz="2400" dirty="0" smtClean="0">
+                <a:solidFill>
+                  <a:schemeClr val="tx1"/>
+                </a:solidFill>
+              </a:rPr>
+              <a:t>групи:</a:t>
+            </a:r>
+            <a:endParaRPr lang="uk-UA" sz="2400" dirty="0">
+              <a:solidFill>
+                <a:schemeClr val="tx1"/>
+              </a:solidFill>
+            </a:endParaRPr>
           </a:p>
           <a:p>
             <a:pPr algn="l"/>
@@ -4893,15 +4906,15 @@
           <a:p>
             <a:pPr algn="l"/>
             <a:r>
-              <a:rPr lang="uk-UA" sz="2400" dirty="0">
+              <a:rPr lang="uk-UA" sz="2400" dirty="0" smtClean="0">
                 <a:solidFill>
                   <a:schemeClr val="tx1"/>
                 </a:solidFill>
               </a:rPr>
-              <a:t>Керівник: </a:t>
-            </a:r>
-            <a:r>
-              <a:rPr lang="uk-UA" sz="2400" dirty="0" err="1">
+              <a:t>Керівник:</a:t>
+            </a:r>
+            <a:r>
+              <a:rPr lang="uk-UA" sz="2400" dirty="0" err="1" smtClean="0">
                 <a:solidFill>
                   <a:schemeClr val="tx1"/>
                 </a:solidFill>
@@ -4909,12 +4922,20 @@
               <a:t>Серьогіна</a:t>
             </a:r>
             <a:r>
+              <a:rPr lang="uk-UA" sz="2400" dirty="0" smtClean="0">
+                <a:solidFill>
+                  <a:schemeClr val="tx1"/>
+                </a:solidFill>
+              </a:rPr>
+              <a:t> </a:t>
+            </a:r>
+            <a:r>
               <a:rPr lang="uk-UA" sz="2400" dirty="0">
                 <a:solidFill>
                   <a:schemeClr val="tx1"/>
                 </a:solidFill>
               </a:rPr>
-              <a:t> І.В.</a:t>
+              <a:t>І.В.</a:t>
             </a:r>
           </a:p>
           <a:p>
@@ -5159,8 +5180,8 @@
         </p:nvSpPr>
         <p:spPr>
           <a:xfrm>
-            <a:off x="457200" y="1484784"/>
-            <a:ext cx="8229600" cy="4839816"/>
+            <a:off x="6508" y="1484784"/>
+            <a:ext cx="9137492" cy="4839816"/>
           </a:xfrm>
         </p:spPr>
         <p:txBody>
@@ -5178,7 +5199,23 @@
                   <a:srgbClr val="002060"/>
                 </a:solidFill>
               </a:rPr>
-              <a:t>Зайти під доступом: адміністратор. Використовуючи логін «</a:t>
+              <a:t>Зайти </a:t>
+            </a:r>
+            <a:r>
+              <a:rPr lang="uk-UA" sz="2100" dirty="0" smtClean="0">
+                <a:solidFill>
+                  <a:srgbClr val="002060"/>
+                </a:solidFill>
+              </a:rPr>
+              <a:t>під режимом доступу: адміністратор</a:t>
+            </a:r>
+            <a:r>
+              <a:rPr lang="uk-UA" sz="2100" dirty="0" smtClean="0">
+                <a:solidFill>
+                  <a:srgbClr val="002060"/>
+                </a:solidFill>
+              </a:rPr>
+              <a:t>. Використовуючи логін «</a:t>
             </a:r>
             <a:r>
               <a:rPr lang="en-US" sz="2100" dirty="0" smtClean="0">
@@ -5428,10 +5465,36 @@
         </p:nvSpPr>
         <p:spPr/>
         <p:txBody>
-          <a:bodyPr/>
-          <a:lstStyle/>
-          <a:p>
-            <a:endParaRPr lang="ru-RU"/>
+          <a:bodyPr>
+            <a:normAutofit/>
+          </a:bodyPr>
+          <a:lstStyle/>
+          <a:p>
+            <a:pPr algn="just"/>
+            <a:r>
+              <a:rPr lang="uk-UA" dirty="0" smtClean="0"/>
+              <a:t>Розробив електронне меню для закладів громадського харчування;</a:t>
+            </a:r>
+          </a:p>
+          <a:p>
+            <a:pPr algn="just"/>
+            <a:r>
+              <a:rPr lang="uk-UA" dirty="0" smtClean="0"/>
+              <a:t>Удосконалив навички при створенні </a:t>
+            </a:r>
+            <a:r>
+              <a:rPr lang="en-US" dirty="0" smtClean="0"/>
+              <a:t>Windows-</a:t>
+            </a:r>
+            <a:r>
+              <a:rPr lang="uk-UA" dirty="0" smtClean="0"/>
+              <a:t>додатків з використанням принципу </a:t>
+            </a:r>
+            <a:r>
+              <a:rPr lang="uk-UA" smtClean="0"/>
+              <a:t>об’єктно-орієнтованого програмування;</a:t>
+            </a:r>
+            <a:endParaRPr lang="uk-UA" dirty="0" smtClean="0"/>
           </a:p>
         </p:txBody>
       </p:sp>
@@ -5591,7 +5654,47 @@
                   <a:srgbClr val="002060"/>
                 </a:solidFill>
               </a:rPr>
-              <a:t>Метою дипломного проектування є дослідити предметну та моделювання предметної області, проектування та розробка програмного забезпечення, що автоматизує роботи з інформацією співробітників та відвідувачів закладів громадського харчування.</a:t>
+              <a:t>Метою дипломного проектування є </a:t>
+            </a:r>
+            <a:r>
+              <a:rPr lang="uk-UA" dirty="0" smtClean="0">
+                <a:solidFill>
+                  <a:srgbClr val="002060"/>
+                </a:solidFill>
+              </a:rPr>
+              <a:t>дослідження</a:t>
+            </a:r>
+            <a:r>
+              <a:rPr lang="uk-UA" dirty="0" smtClean="0">
+                <a:solidFill>
+                  <a:srgbClr val="002060"/>
+                </a:solidFill>
+              </a:rPr>
+              <a:t> </a:t>
+            </a:r>
+            <a:r>
+              <a:rPr lang="uk-UA" dirty="0">
+                <a:solidFill>
+                  <a:srgbClr val="002060"/>
+                </a:solidFill>
+              </a:rPr>
+              <a:t>та моделювання предметної області, проектування та розробка програмного забезпечення, що автоматизує </a:t>
+            </a:r>
+            <a:r>
+              <a:rPr lang="uk-UA" dirty="0" smtClean="0">
+                <a:solidFill>
+                  <a:srgbClr val="002060"/>
+                </a:solidFill>
+              </a:rPr>
+              <a:t>роботи </a:t>
+            </a:r>
+            <a:r>
+              <a:rPr lang="uk-UA" dirty="0">
+                <a:solidFill>
+                  <a:srgbClr val="002060"/>
+                </a:solidFill>
+              </a:rPr>
+              <a:t>з інформацією співробітників та відвідувачів закладів громадського харчування.</a:t>
             </a:r>
             <a:endParaRPr lang="ru-RU" dirty="0">
               <a:solidFill>
@@ -6042,14 +6145,14 @@
         <p:spPr>
           <a:xfrm>
             <a:off x="2075995" y="2216677"/>
-            <a:ext cx="7067128" cy="1152128"/>
+            <a:ext cx="6672469" cy="1152128"/>
           </a:xfrm>
         </p:spPr>
         <p:txBody>
           <a:bodyPr/>
           <a:lstStyle/>
           <a:p>
-            <a:pPr marL="0" indent="0">
+            <a:pPr marL="0" indent="0" algn="just">
               <a:buNone/>
             </a:pPr>
             <a:r>
@@ -6066,21 +6169,8 @@
                   <a:srgbClr val="002060"/>
                 </a:solidFill>
               </a:rPr>
-              <a:t>Embarcadero RAD Studio 10.2 Tokyo C++ </a:t>
-            </a:r>
-            <a:r>
-              <a:rPr lang="en-US" dirty="0" smtClean="0">
-                <a:solidFill>
-                  <a:srgbClr val="002060"/>
-                </a:solidFill>
-              </a:rPr>
-              <a:t>Builder</a:t>
-            </a:r>
-            <a:endParaRPr lang="en-US" dirty="0" smtClean="0">
-              <a:solidFill>
-                <a:srgbClr val="002060"/>
-              </a:solidFill>
-            </a:endParaRPr>
+              <a:t>Embarcadero RAD Studio 10.2 Tokyo C++ Builder</a:t>
+            </a:r>
           </a:p>
         </p:txBody>
       </p:sp>
@@ -6175,7 +6265,7 @@
         <p:spPr>
           <a:xfrm>
             <a:off x="2123728" y="3980794"/>
-            <a:ext cx="6264696" cy="892552"/>
+            <a:ext cx="6624736" cy="892552"/>
           </a:xfrm>
           <a:prstGeom prst="rect">
             <a:avLst/>
@@ -6187,7 +6277,7 @@
           </a:bodyPr>
           <a:lstStyle/>
           <a:p>
-            <a:pPr lvl="0">
+            <a:pPr lvl="0" algn="just">
               <a:spcBef>
                 <a:spcPct val="20000"/>
               </a:spcBef>
@@ -6275,15 +6365,7 @@
             <a:pPr algn="ctr"/>
             <a:r>
               <a:rPr lang="uk-UA" dirty="0" smtClean="0"/>
-              <a:t>П</a:t>
-            </a:r>
-            <a:r>
-              <a:rPr lang="uk-UA" dirty="0" smtClean="0"/>
-              <a:t>рограмне </a:t>
-            </a:r>
-            <a:r>
-              <a:rPr lang="uk-UA" dirty="0" smtClean="0"/>
-              <a:t>забезпечення</a:t>
+              <a:t>Програмне забезпечення</a:t>
             </a:r>
             <a:endParaRPr lang="ru-RU" dirty="0"/>
           </a:p>

--- a/Report/Презентація диплому.pptx
+++ b/Report/Презентація диплому.pptx
@@ -5199,23 +5199,7 @@
                   <a:srgbClr val="002060"/>
                 </a:solidFill>
               </a:rPr>
-              <a:t>Зайти </a:t>
-            </a:r>
-            <a:r>
-              <a:rPr lang="uk-UA" sz="2100" dirty="0" smtClean="0">
-                <a:solidFill>
-                  <a:srgbClr val="002060"/>
-                </a:solidFill>
-              </a:rPr>
-              <a:t>під режимом доступу: адміністратор</a:t>
-            </a:r>
-            <a:r>
-              <a:rPr lang="uk-UA" sz="2100" dirty="0" smtClean="0">
-                <a:solidFill>
-                  <a:srgbClr val="002060"/>
-                </a:solidFill>
-              </a:rPr>
-              <a:t>. Використовуючи логін «</a:t>
+              <a:t>Зайти під режимом доступу: адміністратор. Використовуючи логін «</a:t>
             </a:r>
             <a:r>
               <a:rPr lang="en-US" sz="2100" dirty="0" smtClean="0">
@@ -5466,35 +5450,104 @@
         <p:spPr/>
         <p:txBody>
           <a:bodyPr>
-            <a:normAutofit/>
+            <a:normAutofit lnSpcReduction="10000"/>
           </a:bodyPr>
           <a:lstStyle/>
           <a:p>
             <a:pPr algn="just"/>
             <a:r>
-              <a:rPr lang="uk-UA" dirty="0" smtClean="0"/>
-              <a:t>Розробив електронне меню для закладів громадського харчування;</a:t>
-            </a:r>
+              <a:rPr lang="uk-UA" dirty="0" smtClean="0">
+                <a:solidFill>
+                  <a:srgbClr val="002060"/>
+                </a:solidFill>
+              </a:rPr>
+              <a:t>Розроблене програмне забезпечення </a:t>
+            </a:r>
+            <a:r>
+              <a:rPr lang="uk-UA" dirty="0" smtClean="0">
+                <a:solidFill>
+                  <a:srgbClr val="002060"/>
+                </a:solidFill>
+              </a:rPr>
+              <a:t>електронне меню для закладів громадського </a:t>
+            </a:r>
+            <a:r>
+              <a:rPr lang="uk-UA" dirty="0" smtClean="0">
+                <a:solidFill>
+                  <a:srgbClr val="002060"/>
+                </a:solidFill>
+              </a:rPr>
+              <a:t>харчування</a:t>
+            </a:r>
+            <a:r>
+              <a:rPr lang="uk-UA" dirty="0">
+                <a:solidFill>
+                  <a:srgbClr val="002060"/>
+                </a:solidFill>
+              </a:rPr>
+              <a:t> </a:t>
+            </a:r>
+            <a:r>
+              <a:rPr lang="uk-UA" dirty="0" smtClean="0">
+                <a:solidFill>
+                  <a:srgbClr val="002060"/>
+                </a:solidFill>
+              </a:rPr>
+              <a:t>дозволить прискорити час на обробку інформації, що буде відображатися в обслуговуванні клієнта. Програмне забезпечення супроводжується необхідною документацією;</a:t>
+            </a:r>
+            <a:endParaRPr lang="uk-UA" dirty="0" smtClean="0">
+              <a:solidFill>
+                <a:srgbClr val="002060"/>
+              </a:solidFill>
+            </a:endParaRPr>
           </a:p>
           <a:p>
             <a:pPr algn="just"/>
-            <a:r>
-              <a:rPr lang="uk-UA" dirty="0" smtClean="0"/>
+            <a:endParaRPr lang="uk-UA" dirty="0" smtClean="0">
+              <a:solidFill>
+                <a:srgbClr val="002060"/>
+              </a:solidFill>
+            </a:endParaRPr>
+          </a:p>
+          <a:p>
+            <a:pPr algn="just"/>
+            <a:r>
+              <a:rPr lang="uk-UA" dirty="0" smtClean="0">
+                <a:solidFill>
+                  <a:srgbClr val="002060"/>
+                </a:solidFill>
+              </a:rPr>
               <a:t>Удосконалив навички при створенні </a:t>
             </a:r>
             <a:r>
-              <a:rPr lang="en-US" dirty="0" smtClean="0"/>
+              <a:rPr lang="en-US" dirty="0" smtClean="0">
+                <a:solidFill>
+                  <a:srgbClr val="002060"/>
+                </a:solidFill>
+              </a:rPr>
               <a:t>Windows-</a:t>
             </a:r>
             <a:r>
-              <a:rPr lang="uk-UA" dirty="0" smtClean="0"/>
-              <a:t>додатків з використанням принципу </a:t>
-            </a:r>
-            <a:r>
-              <a:rPr lang="uk-UA" smtClean="0"/>
-              <a:t>об’єктно-орієнтованого програмування;</a:t>
-            </a:r>
-            <a:endParaRPr lang="uk-UA" dirty="0" smtClean="0"/>
+              <a:rPr lang="uk-UA" dirty="0" smtClean="0">
+                <a:solidFill>
+                  <a:srgbClr val="002060"/>
+                </a:solidFill>
+              </a:rPr>
+              <a:t>додатків з використанням принципу об’єктно-орієнтованого </a:t>
+            </a:r>
+            <a:r>
+              <a:rPr lang="uk-UA" dirty="0" smtClean="0">
+                <a:solidFill>
+                  <a:srgbClr val="002060"/>
+                </a:solidFill>
+              </a:rPr>
+              <a:t>програмування та при проектуванні бази даних.</a:t>
+            </a:r>
+            <a:endParaRPr lang="uk-UA" dirty="0" smtClean="0">
+              <a:solidFill>
+                <a:srgbClr val="002060"/>
+              </a:solidFill>
+            </a:endParaRPr>
           </a:p>
         </p:txBody>
       </p:sp>
@@ -5662,15 +5715,7 @@
                   <a:srgbClr val="002060"/>
                 </a:solidFill>
               </a:rPr>
-              <a:t>дослідження</a:t>
-            </a:r>
-            <a:r>
-              <a:rPr lang="uk-UA" dirty="0" smtClean="0">
-                <a:solidFill>
-                  <a:srgbClr val="002060"/>
-                </a:solidFill>
-              </a:rPr>
-              <a:t> </a:t>
+              <a:t>дослідження </a:t>
             </a:r>
             <a:r>
               <a:rPr lang="uk-UA" dirty="0">

--- a/Report/Презентація диплому.pptx
+++ b/Report/Презентація диплому.pptx
@@ -5,7 +5,7 @@
     <p:sldMasterId id="2147483756" r:id="rId1"/>
   </p:sldMasterIdLst>
   <p:notesMasterIdLst>
-    <p:notesMasterId r:id="rId15"/>
+    <p:notesMasterId r:id="rId14"/>
   </p:notesMasterIdLst>
   <p:sldIdLst>
     <p:sldId id="256" r:id="rId2"/>
@@ -18,9 +18,8 @@
     <p:sldId id="262" r:id="rId9"/>
     <p:sldId id="267" r:id="rId10"/>
     <p:sldId id="268" r:id="rId11"/>
-    <p:sldId id="266" r:id="rId12"/>
-    <p:sldId id="263" r:id="rId13"/>
-    <p:sldId id="264" r:id="rId14"/>
+    <p:sldId id="263" r:id="rId12"/>
+    <p:sldId id="264" r:id="rId13"/>
   </p:sldIdLst>
   <p:sldSz cx="9144000" cy="6858000" type="screen4x3"/>
   <p:notesSz cx="6858000" cy="9144000"/>
@@ -204,7 +203,7 @@
           <a:p>
             <a:fld id="{1A1C5077-EEC5-4B51-9C66-436A01F0F5F1}" type="datetimeFigureOut">
               <a:rPr lang="ru-RU" smtClean="0"/>
-              <a:t>21.06.2018</a:t>
+              <a:t>23.06.2018</a:t>
             </a:fld>
             <a:endParaRPr lang="ru-RU"/>
           </a:p>
@@ -729,7 +728,7 @@
           <a:p>
             <a:fld id="{B4C71EC6-210F-42DE-9C53-41977AD35B3D}" type="datetimeFigureOut">
               <a:rPr lang="ru-RU" smtClean="0"/>
-              <a:t>21.06.2018</a:t>
+              <a:t>23.06.2018</a:t>
             </a:fld>
             <a:endParaRPr lang="ru-RU"/>
           </a:p>
@@ -894,7 +893,7 @@
           <a:p>
             <a:fld id="{B4C71EC6-210F-42DE-9C53-41977AD35B3D}" type="datetimeFigureOut">
               <a:rPr lang="ru-RU" smtClean="0"/>
-              <a:t>21.06.2018</a:t>
+              <a:t>23.06.2018</a:t>
             </a:fld>
             <a:endParaRPr lang="ru-RU"/>
           </a:p>
@@ -1069,7 +1068,7 @@
           <a:p>
             <a:fld id="{B4C71EC6-210F-42DE-9C53-41977AD35B3D}" type="datetimeFigureOut">
               <a:rPr lang="ru-RU" smtClean="0"/>
-              <a:t>21.06.2018</a:t>
+              <a:t>23.06.2018</a:t>
             </a:fld>
             <a:endParaRPr lang="ru-RU"/>
           </a:p>
@@ -1234,7 +1233,7 @@
           <a:p>
             <a:fld id="{B4C71EC6-210F-42DE-9C53-41977AD35B3D}" type="datetimeFigureOut">
               <a:rPr lang="ru-RU" smtClean="0"/>
-              <a:t>21.06.2018</a:t>
+              <a:t>23.06.2018</a:t>
             </a:fld>
             <a:endParaRPr lang="ru-RU"/>
           </a:p>
@@ -1476,7 +1475,7 @@
           <a:p>
             <a:fld id="{B4C71EC6-210F-42DE-9C53-41977AD35B3D}" type="datetimeFigureOut">
               <a:rPr lang="ru-RU" smtClean="0"/>
-              <a:t>21.06.2018</a:t>
+              <a:t>23.06.2018</a:t>
             </a:fld>
             <a:endParaRPr lang="ru-RU"/>
           </a:p>
@@ -1740,7 +1739,7 @@
           <a:p>
             <a:fld id="{B4C71EC6-210F-42DE-9C53-41977AD35B3D}" type="datetimeFigureOut">
               <a:rPr lang="ru-RU" smtClean="0"/>
-              <a:t>21.06.2018</a:t>
+              <a:t>23.06.2018</a:t>
             </a:fld>
             <a:endParaRPr lang="ru-RU"/>
           </a:p>
@@ -2118,7 +2117,7 @@
           <a:p>
             <a:fld id="{B4C71EC6-210F-42DE-9C53-41977AD35B3D}" type="datetimeFigureOut">
               <a:rPr lang="ru-RU" smtClean="0"/>
-              <a:t>21.06.2018</a:t>
+              <a:t>23.06.2018</a:t>
             </a:fld>
             <a:endParaRPr lang="ru-RU"/>
           </a:p>
@@ -2268,7 +2267,7 @@
           <a:p>
             <a:fld id="{B4C71EC6-210F-42DE-9C53-41977AD35B3D}" type="datetimeFigureOut">
               <a:rPr lang="ru-RU" smtClean="0"/>
-              <a:t>21.06.2018</a:t>
+              <a:t>23.06.2018</a:t>
             </a:fld>
             <a:endParaRPr lang="ru-RU"/>
           </a:p>
@@ -2358,7 +2357,7 @@
           <a:p>
             <a:fld id="{B4C71EC6-210F-42DE-9C53-41977AD35B3D}" type="datetimeFigureOut">
               <a:rPr lang="ru-RU" smtClean="0"/>
-              <a:t>21.06.2018</a:t>
+              <a:t>23.06.2018</a:t>
             </a:fld>
             <a:endParaRPr lang="ru-RU"/>
           </a:p>
@@ -2619,7 +2618,7 @@
           <a:p>
             <a:fld id="{B4C71EC6-210F-42DE-9C53-41977AD35B3D}" type="datetimeFigureOut">
               <a:rPr lang="ru-RU" smtClean="0"/>
-              <a:t>21.06.2018</a:t>
+              <a:t>23.06.2018</a:t>
             </a:fld>
             <a:endParaRPr lang="ru-RU"/>
           </a:p>
@@ -2907,7 +2906,7 @@
           <a:p>
             <a:fld id="{B4C71EC6-210F-42DE-9C53-41977AD35B3D}" type="datetimeFigureOut">
               <a:rPr lang="ru-RU" smtClean="0"/>
-              <a:t>21.06.2018</a:t>
+              <a:t>23.06.2018</a:t>
             </a:fld>
             <a:endParaRPr lang="ru-RU"/>
           </a:p>
@@ -3678,7 +3677,7 @@
           <a:p>
             <a:fld id="{B4C71EC6-210F-42DE-9C53-41977AD35B3D}" type="datetimeFigureOut">
               <a:rPr lang="ru-RU" smtClean="0"/>
-              <a:t>21.06.2018</a:t>
+              <a:t>23.06.2018</a:t>
             </a:fld>
             <a:endParaRPr lang="ru-RU"/>
           </a:p>
@@ -5002,9 +5001,48 @@
           <a:chExt cx="0" cy="0"/>
         </a:xfrm>
       </p:grpSpPr>
+      <p:sp>
+        <p:nvSpPr>
+          <p:cNvPr id="6" name="TextBox 5"/>
+          <p:cNvSpPr txBox="1"/>
+          <p:nvPr/>
+        </p:nvSpPr>
+        <p:spPr>
+          <a:xfrm>
+            <a:off x="0" y="5611911"/>
+            <a:ext cx="9144000" cy="369332"/>
+          </a:xfrm>
+          <a:prstGeom prst="rect">
+            <a:avLst/>
+          </a:prstGeom>
+          <a:noFill/>
+        </p:spPr>
+        <p:txBody>
+          <a:bodyPr wrap="square" rtlCol="0">
+            <a:spAutoFit/>
+          </a:bodyPr>
+          <a:lstStyle/>
+          <a:p>
+            <a:pPr algn="ctr"/>
+            <a:r>
+              <a:rPr lang="uk-UA" dirty="0" smtClean="0">
+                <a:solidFill>
+                  <a:srgbClr val="002060"/>
+                </a:solidFill>
+              </a:rPr>
+              <a:t>Вікно для роботи офіціанта</a:t>
+            </a:r>
+            <a:endParaRPr lang="ru-RU" dirty="0">
+              <a:solidFill>
+                <a:srgbClr val="002060"/>
+              </a:solidFill>
+            </a:endParaRPr>
+          </a:p>
+        </p:txBody>
+      </p:sp>
       <p:pic>
         <p:nvPicPr>
-          <p:cNvPr id="5" name="Picture 2"/>
+          <p:cNvPr id="7" name="Picture 2"/>
           <p:cNvPicPr>
             <a:picLocks noGrp="1" noChangeAspect="1" noChangeArrowheads="1"/>
           </p:cNvPicPr>
@@ -5027,8 +5065,8 @@
         </p:blipFill>
         <p:spPr bwMode="auto">
           <a:xfrm>
-            <a:off x="1403648" y="1124744"/>
-            <a:ext cx="6323644" cy="4389437"/>
+            <a:off x="1187624" y="1006450"/>
+            <a:ext cx="6492576" cy="4605461"/>
           </a:xfrm>
           <a:prstGeom prst="rect">
             <a:avLst/>
@@ -5068,45 +5106,6 @@
           </a:extLst>
         </p:spPr>
       </p:pic>
-      <p:sp>
-        <p:nvSpPr>
-          <p:cNvPr id="6" name="TextBox 5"/>
-          <p:cNvSpPr txBox="1"/>
-          <p:nvPr/>
-        </p:nvSpPr>
-        <p:spPr>
-          <a:xfrm>
-            <a:off x="0" y="5611911"/>
-            <a:ext cx="9144000" cy="369332"/>
-          </a:xfrm>
-          <a:prstGeom prst="rect">
-            <a:avLst/>
-          </a:prstGeom>
-          <a:noFill/>
-        </p:spPr>
-        <p:txBody>
-          <a:bodyPr wrap="square" rtlCol="0">
-            <a:spAutoFit/>
-          </a:bodyPr>
-          <a:lstStyle/>
-          <a:p>
-            <a:pPr algn="ctr"/>
-            <a:r>
-              <a:rPr lang="uk-UA" dirty="0" smtClean="0">
-                <a:solidFill>
-                  <a:srgbClr val="002060"/>
-                </a:solidFill>
-              </a:rPr>
-              <a:t>Вікно для роботи офіціанта</a:t>
-            </a:r>
-            <a:endParaRPr lang="ru-RU" dirty="0">
-              <a:solidFill>
-                <a:srgbClr val="002060"/>
-              </a:solidFill>
-            </a:endParaRPr>
-          </a:p>
-        </p:txBody>
-      </p:sp>
     </p:spTree>
     <p:extLst>
       <p:ext uri="{BB962C8B-B14F-4D97-AF65-F5344CB8AC3E}">
@@ -5150,7 +5149,7 @@
         <p:spPr>
           <a:xfrm>
             <a:off x="0" y="764704"/>
-            <a:ext cx="9144000" cy="722344"/>
+            <a:ext cx="9144000" cy="794352"/>
           </a:xfrm>
         </p:spPr>
         <p:txBody>
@@ -5162,7 +5161,7 @@
             <a:pPr algn="ctr"/>
             <a:r>
               <a:rPr lang="uk-UA" dirty="0" smtClean="0"/>
-              <a:t>Тестування</a:t>
+              <a:t>Висновки</a:t>
             </a:r>
             <a:endParaRPr lang="ru-RU" dirty="0"/>
           </a:p>
@@ -5178,47 +5177,40 @@
             <p:ph idx="1"/>
           </p:nvPr>
         </p:nvSpPr>
-        <p:spPr>
-          <a:xfrm>
-            <a:off x="6508" y="1484784"/>
-            <a:ext cx="9137492" cy="4839816"/>
-          </a:xfrm>
-        </p:spPr>
+        <p:spPr/>
         <p:txBody>
           <a:bodyPr>
             <a:normAutofit/>
           </a:bodyPr>
           <a:lstStyle/>
           <a:p>
-            <a:pPr marL="0" indent="0" algn="ctr">
-              <a:buNone/>
-            </a:pPr>
-            <a:r>
-              <a:rPr lang="uk-UA" sz="2100" dirty="0" smtClean="0">
+            <a:pPr algn="just"/>
+            <a:r>
+              <a:rPr lang="uk-UA" dirty="0" smtClean="0">
                 <a:solidFill>
                   <a:srgbClr val="002060"/>
                 </a:solidFill>
               </a:rPr>
-              <a:t>Зайти під режимом доступу: адміністратор. Використовуючи логін «</a:t>
-            </a:r>
-            <a:r>
-              <a:rPr lang="en-US" sz="2100" dirty="0" smtClean="0">
+              <a:t>Розроблене </a:t>
+            </a:r>
+            <a:r>
+              <a:rPr lang="uk-UA" dirty="0" smtClean="0">
                 <a:solidFill>
                   <a:srgbClr val="002060"/>
                 </a:solidFill>
               </a:rPr>
-              <a:t>admin</a:t>
-            </a:r>
-            <a:r>
-              <a:rPr lang="uk-UA" sz="2100" dirty="0" smtClean="0">
+              <a:t>електронне </a:t>
+            </a:r>
+            <a:r>
+              <a:rPr lang="uk-UA" dirty="0" smtClean="0">
                 <a:solidFill>
                   <a:srgbClr val="002060"/>
                 </a:solidFill>
               </a:rPr>
-              <a:t>»</a:t>
-            </a:r>
-            <a:r>
-              <a:rPr lang="en-US" sz="2100" dirty="0" smtClean="0">
+              <a:t>меню для закладів громадського харчування</a:t>
+            </a:r>
+            <a:r>
+              <a:rPr lang="uk-UA" dirty="0">
                 <a:solidFill>
                   <a:srgbClr val="002060"/>
                 </a:solidFill>
@@ -5226,268 +5218,6 @@
               <a:t> </a:t>
             </a:r>
             <a:r>
-              <a:rPr lang="uk-UA" sz="2100" dirty="0" smtClean="0">
-                <a:solidFill>
-                  <a:srgbClr val="002060"/>
-                </a:solidFill>
-              </a:rPr>
-              <a:t>та </a:t>
-            </a:r>
-            <a:r>
-              <a:rPr lang="ru-RU" sz="2100" dirty="0" smtClean="0">
-                <a:solidFill>
-                  <a:srgbClr val="002060"/>
-                </a:solidFill>
-              </a:rPr>
-              <a:t>пароль «</a:t>
-            </a:r>
-            <a:r>
-              <a:rPr lang="en-US" sz="2100" dirty="0" smtClean="0">
-                <a:solidFill>
-                  <a:srgbClr val="002060"/>
-                </a:solidFill>
-              </a:rPr>
-              <a:t>admin</a:t>
-            </a:r>
-            <a:r>
-              <a:rPr lang="ru-RU" sz="2100" dirty="0" smtClean="0">
-                <a:solidFill>
-                  <a:srgbClr val="002060"/>
-                </a:solidFill>
-              </a:rPr>
-              <a:t>»</a:t>
-            </a:r>
-            <a:r>
-              <a:rPr lang="uk-UA" sz="2100" dirty="0" smtClean="0">
-                <a:solidFill>
-                  <a:srgbClr val="002060"/>
-                </a:solidFill>
-              </a:rPr>
-              <a:t>, та відкрити вікно «Адміністратор»</a:t>
-            </a:r>
-            <a:endParaRPr lang="ru-RU" sz="2100" dirty="0">
-              <a:solidFill>
-                <a:srgbClr val="002060"/>
-              </a:solidFill>
-            </a:endParaRPr>
-          </a:p>
-        </p:txBody>
-      </p:sp>
-      <p:pic>
-        <p:nvPicPr>
-          <p:cNvPr id="5122" name="Picture 2"/>
-          <p:cNvPicPr>
-            <a:picLocks noChangeAspect="1" noChangeArrowheads="1"/>
-          </p:cNvPicPr>
-          <p:nvPr/>
-        </p:nvPicPr>
-        <p:blipFill>
-          <a:blip r:embed="rId2">
-            <a:extLst>
-              <a:ext uri="{28A0092B-C50C-407E-A947-70E740481C1C}">
-                <a14:useLocalDpi xmlns:a14="http://schemas.microsoft.com/office/drawing/2010/main" val="0"/>
-              </a:ext>
-            </a:extLst>
-          </a:blip>
-          <a:srcRect/>
-          <a:stretch>
-            <a:fillRect/>
-          </a:stretch>
-        </p:blipFill>
-        <p:spPr bwMode="auto">
-          <a:xfrm>
-            <a:off x="1763688" y="2276872"/>
-            <a:ext cx="5688632" cy="3627165"/>
-          </a:xfrm>
-          <a:prstGeom prst="rect">
-            <a:avLst/>
-          </a:prstGeom>
-          <a:noFill/>
-          <a:ln>
-            <a:noFill/>
-          </a:ln>
-          <a:effectLst/>
-          <a:extLst>
-            <a:ext uri="{909E8E84-426E-40DD-AFC4-6F175D3DCCD1}">
-              <a14:hiddenFill xmlns:a14="http://schemas.microsoft.com/office/drawing/2010/main">
-                <a:solidFill>
-                  <a:schemeClr val="accent1"/>
-                </a:solidFill>
-              </a14:hiddenFill>
-            </a:ext>
-            <a:ext uri="{91240B29-F687-4F45-9708-019B960494DF}">
-              <a14:hiddenLine xmlns:a14="http://schemas.microsoft.com/office/drawing/2010/main" w="9525">
-                <a:solidFill>
-                  <a:schemeClr val="tx1"/>
-                </a:solidFill>
-                <a:miter lim="800000"/>
-                <a:headEnd/>
-                <a:tailEnd/>
-              </a14:hiddenLine>
-            </a:ext>
-            <a:ext uri="{AF507438-7753-43E0-B8FC-AC1667EBCBE1}">
-              <a14:hiddenEffects xmlns:a14="http://schemas.microsoft.com/office/drawing/2010/main">
-                <a:effectLst>
-                  <a:outerShdw dist="35921" dir="2700000" algn="ctr" rotWithShape="0">
-                    <a:schemeClr val="bg2"/>
-                  </a:outerShdw>
-                </a:effectLst>
-              </a14:hiddenEffects>
-            </a:ext>
-          </a:extLst>
-        </p:spPr>
-      </p:pic>
-      <p:sp>
-        <p:nvSpPr>
-          <p:cNvPr id="5" name="TextBox 4"/>
-          <p:cNvSpPr txBox="1"/>
-          <p:nvPr/>
-        </p:nvSpPr>
-        <p:spPr>
-          <a:xfrm>
-            <a:off x="6508" y="5972416"/>
-            <a:ext cx="9144000" cy="369332"/>
-          </a:xfrm>
-          <a:prstGeom prst="rect">
-            <a:avLst/>
-          </a:prstGeom>
-          <a:noFill/>
-        </p:spPr>
-        <p:txBody>
-          <a:bodyPr wrap="square" rtlCol="0">
-            <a:spAutoFit/>
-          </a:bodyPr>
-          <a:lstStyle/>
-          <a:p>
-            <a:pPr algn="ctr"/>
-            <a:r>
-              <a:rPr lang="uk-UA" dirty="0" smtClean="0">
-                <a:solidFill>
-                  <a:srgbClr val="002060"/>
-                </a:solidFill>
-              </a:rPr>
-              <a:t>Результат тестування</a:t>
-            </a:r>
-            <a:endParaRPr lang="ru-RU" dirty="0">
-              <a:solidFill>
-                <a:srgbClr val="002060"/>
-              </a:solidFill>
-            </a:endParaRPr>
-          </a:p>
-        </p:txBody>
-      </p:sp>
-    </p:spTree>
-    <p:extLst>
-      <p:ext uri="{BB962C8B-B14F-4D97-AF65-F5344CB8AC3E}">
-        <p14:creationId xmlns:p14="http://schemas.microsoft.com/office/powerpoint/2010/main" val="4202869864"/>
-      </p:ext>
-    </p:extLst>
-  </p:cSld>
-  <p:clrMapOvr>
-    <a:masterClrMapping/>
-  </p:clrMapOvr>
-</p:sld>
-</file>
-
-<file path=ppt/slides/slide12.xml><?xml version="1.0" encoding="utf-8"?>
-<p:sld xmlns:a="http://schemas.openxmlformats.org/drawingml/2006/main" xmlns:r="http://schemas.openxmlformats.org/officeDocument/2006/relationships" xmlns:p="http://schemas.openxmlformats.org/presentationml/2006/main">
-  <p:cSld>
-    <p:spTree>
-      <p:nvGrpSpPr>
-        <p:cNvPr id="1" name=""/>
-        <p:cNvGrpSpPr/>
-        <p:nvPr/>
-      </p:nvGrpSpPr>
-      <p:grpSpPr>
-        <a:xfrm>
-          <a:off x="0" y="0"/>
-          <a:ext cx="0" cy="0"/>
-          <a:chOff x="0" y="0"/>
-          <a:chExt cx="0" cy="0"/>
-        </a:xfrm>
-      </p:grpSpPr>
-      <p:sp>
-        <p:nvSpPr>
-          <p:cNvPr id="2" name="Заголовок 1"/>
-          <p:cNvSpPr>
-            <a:spLocks noGrp="1"/>
-          </p:cNvSpPr>
-          <p:nvPr>
-            <p:ph type="title"/>
-          </p:nvPr>
-        </p:nvSpPr>
-        <p:spPr>
-          <a:xfrm>
-            <a:off x="0" y="764704"/>
-            <a:ext cx="9144000" cy="794352"/>
-          </a:xfrm>
-        </p:spPr>
-        <p:txBody>
-          <a:bodyPr>
-            <a:noAutofit/>
-          </a:bodyPr>
-          <a:lstStyle/>
-          <a:p>
-            <a:pPr algn="ctr"/>
-            <a:r>
-              <a:rPr lang="uk-UA" dirty="0" smtClean="0"/>
-              <a:t>Висновки</a:t>
-            </a:r>
-            <a:endParaRPr lang="ru-RU" dirty="0"/>
-          </a:p>
-        </p:txBody>
-      </p:sp>
-      <p:sp>
-        <p:nvSpPr>
-          <p:cNvPr id="3" name="Объект 2"/>
-          <p:cNvSpPr>
-            <a:spLocks noGrp="1"/>
-          </p:cNvSpPr>
-          <p:nvPr>
-            <p:ph idx="1"/>
-          </p:nvPr>
-        </p:nvSpPr>
-        <p:spPr/>
-        <p:txBody>
-          <a:bodyPr>
-            <a:normAutofit lnSpcReduction="10000"/>
-          </a:bodyPr>
-          <a:lstStyle/>
-          <a:p>
-            <a:pPr algn="just"/>
-            <a:r>
-              <a:rPr lang="uk-UA" dirty="0" smtClean="0">
-                <a:solidFill>
-                  <a:srgbClr val="002060"/>
-                </a:solidFill>
-              </a:rPr>
-              <a:t>Розроблене програмне забезпечення </a:t>
-            </a:r>
-            <a:r>
-              <a:rPr lang="uk-UA" dirty="0" smtClean="0">
-                <a:solidFill>
-                  <a:srgbClr val="002060"/>
-                </a:solidFill>
-              </a:rPr>
-              <a:t>електронне меню для закладів громадського </a:t>
-            </a:r>
-            <a:r>
-              <a:rPr lang="uk-UA" dirty="0" smtClean="0">
-                <a:solidFill>
-                  <a:srgbClr val="002060"/>
-                </a:solidFill>
-              </a:rPr>
-              <a:t>харчування</a:t>
-            </a:r>
-            <a:r>
-              <a:rPr lang="uk-UA" dirty="0">
-                <a:solidFill>
-                  <a:srgbClr val="002060"/>
-                </a:solidFill>
-              </a:rPr>
-              <a:t> </a:t>
-            </a:r>
-            <a:r>
               <a:rPr lang="uk-UA" dirty="0" smtClean="0">
                 <a:solidFill>
                   <a:srgbClr val="002060"/>
@@ -5495,11 +5225,6 @@
               </a:rPr>
               <a:t>дозволить прискорити час на обробку інформації, що буде відображатися в обслуговуванні клієнта. Програмне забезпечення супроводжується необхідною документацією;</a:t>
             </a:r>
-            <a:endParaRPr lang="uk-UA" dirty="0" smtClean="0">
-              <a:solidFill>
-                <a:srgbClr val="002060"/>
-              </a:solidFill>
-            </a:endParaRPr>
           </a:p>
           <a:p>
             <a:pPr algn="just"/>
@@ -5533,21 +5258,8 @@
                   <a:srgbClr val="002060"/>
                 </a:solidFill>
               </a:rPr>
-              <a:t>додатків з використанням принципу об’єктно-орієнтованого </a:t>
-            </a:r>
-            <a:r>
-              <a:rPr lang="uk-UA" dirty="0" smtClean="0">
-                <a:solidFill>
-                  <a:srgbClr val="002060"/>
-                </a:solidFill>
-              </a:rPr>
-              <a:t>програмування та при проектуванні бази даних.</a:t>
-            </a:r>
-            <a:endParaRPr lang="uk-UA" dirty="0" smtClean="0">
-              <a:solidFill>
-                <a:srgbClr val="002060"/>
-              </a:solidFill>
-            </a:endParaRPr>
+              <a:t>додатків з використанням принципу об’єктно-орієнтованого програмування та при проектуванні бази даних.</a:t>
+            </a:r>
           </a:p>
         </p:txBody>
       </p:sp>
@@ -5564,7 +5276,7 @@
 </p:sld>
 </file>
 
-<file path=ppt/slides/slide13.xml><?xml version="1.0" encoding="utf-8"?>
+<file path=ppt/slides/slide12.xml><?xml version="1.0" encoding="utf-8"?>
 <p:sld xmlns:a="http://schemas.openxmlformats.org/drawingml/2006/main" xmlns:r="http://schemas.openxmlformats.org/officeDocument/2006/relationships" xmlns:p="http://schemas.openxmlformats.org/presentationml/2006/main">
   <p:cSld>
     <p:spTree>
@@ -5686,12 +5398,36 @@
           <a:p>
             <a:pPr algn="just"/>
             <a:r>
+              <a:rPr lang="uk-UA" dirty="0" smtClean="0">
+                <a:solidFill>
+                  <a:srgbClr val="002060"/>
+                </a:solidFill>
+              </a:rPr>
+              <a:t>Завдання</a:t>
+            </a:r>
+            <a:r>
               <a:rPr lang="uk-UA" dirty="0">
                 <a:solidFill>
                   <a:srgbClr val="002060"/>
                 </a:solidFill>
               </a:rPr>
-              <a:t>Завдання дипломного проектування є розробка електронного меню для закладів громадського харчування. </a:t>
+              <a:t>м</a:t>
+            </a:r>
+            <a:r>
+              <a:rPr lang="uk-UA" dirty="0" smtClean="0">
+                <a:solidFill>
+                  <a:srgbClr val="002060"/>
+                </a:solidFill>
+              </a:rPr>
+              <a:t> </a:t>
+            </a:r>
+            <a:r>
+              <a:rPr lang="uk-UA" dirty="0">
+                <a:solidFill>
+                  <a:srgbClr val="002060"/>
+                </a:solidFill>
+              </a:rPr>
+              <a:t>дипломного проектування є розробка електронного меню для закладів громадського харчування. </a:t>
             </a:r>
             <a:endParaRPr lang="ru-RU" dirty="0">
               <a:solidFill>
@@ -5707,7 +5443,7 @@
                   <a:srgbClr val="002060"/>
                 </a:solidFill>
               </a:rPr>
-              <a:t>Метою дипломного проектування є </a:t>
+              <a:t>Метою дипломного проектування </a:t>
             </a:r>
             <a:r>
               <a:rPr lang="uk-UA" dirty="0" smtClean="0">
@@ -5715,7 +5451,7 @@
                   <a:srgbClr val="002060"/>
                 </a:solidFill>
               </a:rPr>
-              <a:t>дослідження </a:t>
+              <a:t>є розробка </a:t>
             </a:r>
             <a:r>
               <a:rPr lang="uk-UA" dirty="0">
@@ -5723,7 +5459,7 @@
                   <a:srgbClr val="002060"/>
                 </a:solidFill>
               </a:rPr>
-              <a:t>та моделювання предметної області, проектування та розробка програмного забезпечення, що автоматизує </a:t>
+              <a:t>програмного забезпечення, що автоматизує </a:t>
             </a:r>
             <a:r>
               <a:rPr lang="uk-UA" dirty="0" smtClean="0">
@@ -5999,7 +5735,7 @@
       </p:sp>
       <p:pic>
         <p:nvPicPr>
-          <p:cNvPr id="4" name="Объект 3"/>
+          <p:cNvPr id="6" name="Объект 5"/>
           <p:cNvPicPr>
             <a:picLocks noGrp="1"/>
           </p:cNvPicPr>
@@ -6015,8 +5751,8 @@
         </p:blipFill>
         <p:spPr>
           <a:xfrm>
-            <a:off x="683568" y="1700809"/>
-            <a:ext cx="7992888" cy="4752528"/>
+            <a:off x="1043608" y="1628800"/>
+            <a:ext cx="7532672" cy="4695800"/>
           </a:xfrm>
           <a:prstGeom prst="rect">
             <a:avLst/>
@@ -6086,7 +5822,7 @@
       </p:sp>
       <p:pic>
         <p:nvPicPr>
-          <p:cNvPr id="4" name="Объект 3"/>
+          <p:cNvPr id="6" name="Объект 5"/>
           <p:cNvPicPr>
             <a:picLocks noGrp="1"/>
           </p:cNvPicPr>
@@ -6102,18 +5838,12 @@
         </p:blipFill>
         <p:spPr>
           <a:xfrm>
-            <a:off x="179512" y="1412776"/>
-            <a:ext cx="8784976" cy="5256584"/>
+            <a:off x="251520" y="1484784"/>
+            <a:ext cx="8712968" cy="5184575"/>
           </a:xfrm>
           <a:prstGeom prst="rect">
             <a:avLst/>
           </a:prstGeom>
-          <a:ln>
-            <a:noFill/>
-          </a:ln>
-          <a:effectLst>
-            <a:softEdge rad="112500"/>
-          </a:effectLst>
         </p:spPr>
       </p:pic>
     </p:spTree>
@@ -6551,9 +6281,48 @@
           <a:chExt cx="0" cy="0"/>
         </a:xfrm>
       </p:grpSpPr>
+      <p:sp>
+        <p:nvSpPr>
+          <p:cNvPr id="6" name="TextBox 5"/>
+          <p:cNvSpPr txBox="1"/>
+          <p:nvPr/>
+        </p:nvSpPr>
+        <p:spPr>
+          <a:xfrm>
+            <a:off x="11300" y="5582875"/>
+            <a:ext cx="9144000" cy="369332"/>
+          </a:xfrm>
+          <a:prstGeom prst="rect">
+            <a:avLst/>
+          </a:prstGeom>
+          <a:noFill/>
+        </p:spPr>
+        <p:txBody>
+          <a:bodyPr wrap="square" rtlCol="0">
+            <a:spAutoFit/>
+          </a:bodyPr>
+          <a:lstStyle/>
+          <a:p>
+            <a:pPr algn="ctr"/>
+            <a:r>
+              <a:rPr lang="uk-UA" dirty="0" smtClean="0">
+                <a:solidFill>
+                  <a:srgbClr val="002060"/>
+                </a:solidFill>
+              </a:rPr>
+              <a:t>Вікно для роботи адміністратора</a:t>
+            </a:r>
+            <a:endParaRPr lang="ru-RU" dirty="0">
+              <a:solidFill>
+                <a:srgbClr val="002060"/>
+              </a:solidFill>
+            </a:endParaRPr>
+          </a:p>
+        </p:txBody>
+      </p:sp>
       <p:pic>
         <p:nvPicPr>
-          <p:cNvPr id="5" name="Picture 2"/>
+          <p:cNvPr id="8" name="Picture 2"/>
           <p:cNvPicPr>
             <a:picLocks noGrp="1" noChangeAspect="1" noChangeArrowheads="1"/>
           </p:cNvPicPr>
@@ -6576,8 +6345,8 @@
         </p:blipFill>
         <p:spPr bwMode="auto">
           <a:xfrm>
-            <a:off x="899592" y="1124744"/>
-            <a:ext cx="7432779" cy="4389437"/>
+            <a:off x="863252" y="980728"/>
+            <a:ext cx="7440095" cy="4389437"/>
           </a:xfrm>
           <a:prstGeom prst="rect">
             <a:avLst/>
@@ -6617,45 +6386,6 @@
           </a:extLst>
         </p:spPr>
       </p:pic>
-      <p:sp>
-        <p:nvSpPr>
-          <p:cNvPr id="6" name="TextBox 5"/>
-          <p:cNvSpPr txBox="1"/>
-          <p:nvPr/>
-        </p:nvSpPr>
-        <p:spPr>
-          <a:xfrm>
-            <a:off x="11300" y="5582875"/>
-            <a:ext cx="9144000" cy="369332"/>
-          </a:xfrm>
-          <a:prstGeom prst="rect">
-            <a:avLst/>
-          </a:prstGeom>
-          <a:noFill/>
-        </p:spPr>
-        <p:txBody>
-          <a:bodyPr wrap="square" rtlCol="0">
-            <a:spAutoFit/>
-          </a:bodyPr>
-          <a:lstStyle/>
-          <a:p>
-            <a:pPr algn="ctr"/>
-            <a:r>
-              <a:rPr lang="uk-UA" dirty="0" smtClean="0">
-                <a:solidFill>
-                  <a:srgbClr val="002060"/>
-                </a:solidFill>
-              </a:rPr>
-              <a:t>Вікно для роботи адміністратора</a:t>
-            </a:r>
-            <a:endParaRPr lang="ru-RU" dirty="0">
-              <a:solidFill>
-                <a:srgbClr val="002060"/>
-              </a:solidFill>
-            </a:endParaRPr>
-          </a:p>
-        </p:txBody>
-      </p:sp>
     </p:spTree>
     <p:extLst>
       <p:ext uri="{BB962C8B-B14F-4D97-AF65-F5344CB8AC3E}">

--- a/Report/Презентація диплому.pptx
+++ b/Report/Презентація диплому.pptx
@@ -170,7 +170,7 @@
             </a:lvl1pPr>
           </a:lstStyle>
           <a:p>
-            <a:endParaRPr lang="ru-RU"/>
+            <a:endParaRPr lang="ru-RU" dirty="0"/>
           </a:p>
         </p:txBody>
       </p:sp>
@@ -203,9 +203,9 @@
           <a:p>
             <a:fld id="{1A1C5077-EEC5-4B51-9C66-436A01F0F5F1}" type="datetimeFigureOut">
               <a:rPr lang="ru-RU" smtClean="0"/>
-              <a:t>23.06.2018</a:t>
+              <a:t>24.06.2018</a:t>
             </a:fld>
-            <a:endParaRPr lang="ru-RU"/>
+            <a:endParaRPr lang="ru-RU" dirty="0"/>
           </a:p>
         </p:txBody>
       </p:sp>
@@ -238,7 +238,7 @@
           <a:bodyPr vert="horz" lIns="91440" tIns="45720" rIns="91440" bIns="45720" rtlCol="0" anchor="ctr"/>
           <a:lstStyle/>
           <a:p>
-            <a:endParaRPr lang="ru-RU"/>
+            <a:endParaRPr lang="ru-RU" dirty="0"/>
           </a:p>
         </p:txBody>
       </p:sp>
@@ -329,7 +329,7 @@
             </a:lvl1pPr>
           </a:lstStyle>
           <a:p>
-            <a:endParaRPr lang="ru-RU"/>
+            <a:endParaRPr lang="ru-RU" dirty="0"/>
           </a:p>
         </p:txBody>
       </p:sp>
@@ -364,7 +364,7 @@
               <a:rPr lang="ru-RU" smtClean="0"/>
               <a:t>‹#›</a:t>
             </a:fld>
-            <a:endParaRPr lang="ru-RU"/>
+            <a:endParaRPr lang="ru-RU" dirty="0"/>
           </a:p>
         </p:txBody>
       </p:sp>
@@ -538,7 +538,7 @@
               <a:rPr lang="ru-RU" smtClean="0"/>
               <a:t>1</a:t>
             </a:fld>
-            <a:endParaRPr lang="ru-RU"/>
+            <a:endParaRPr lang="ru-RU" dirty="0"/>
           </a:p>
         </p:txBody>
       </p:sp>
@@ -728,9 +728,9 @@
           <a:p>
             <a:fld id="{B4C71EC6-210F-42DE-9C53-41977AD35B3D}" type="datetimeFigureOut">
               <a:rPr lang="ru-RU" smtClean="0"/>
-              <a:t>23.06.2018</a:t>
+              <a:t>24.06.2018</a:t>
             </a:fld>
-            <a:endParaRPr lang="ru-RU"/>
+            <a:endParaRPr lang="ru-RU" dirty="0"/>
           </a:p>
         </p:txBody>
       </p:sp>
@@ -749,7 +749,7 @@
           <a:bodyPr/>
           <a:lstStyle/>
           <a:p>
-            <a:endParaRPr lang="ru-RU"/>
+            <a:endParaRPr lang="ru-RU" dirty="0"/>
           </a:p>
         </p:txBody>
       </p:sp>
@@ -772,7 +772,7 @@
               <a:rPr lang="ru-RU" smtClean="0"/>
               <a:t>‹#›</a:t>
             </a:fld>
-            <a:endParaRPr lang="ru-RU"/>
+            <a:endParaRPr lang="ru-RU" dirty="0"/>
           </a:p>
         </p:txBody>
       </p:sp>
@@ -893,9 +893,9 @@
           <a:p>
             <a:fld id="{B4C71EC6-210F-42DE-9C53-41977AD35B3D}" type="datetimeFigureOut">
               <a:rPr lang="ru-RU" smtClean="0"/>
-              <a:t>23.06.2018</a:t>
+              <a:t>24.06.2018</a:t>
             </a:fld>
-            <a:endParaRPr lang="ru-RU"/>
+            <a:endParaRPr lang="ru-RU" dirty="0"/>
           </a:p>
         </p:txBody>
       </p:sp>
@@ -914,7 +914,7 @@
           <a:bodyPr/>
           <a:lstStyle/>
           <a:p>
-            <a:endParaRPr lang="ru-RU"/>
+            <a:endParaRPr lang="ru-RU" dirty="0"/>
           </a:p>
         </p:txBody>
       </p:sp>
@@ -937,7 +937,7 @@
               <a:rPr lang="ru-RU" smtClean="0"/>
               <a:t>‹#›</a:t>
             </a:fld>
-            <a:endParaRPr lang="ru-RU"/>
+            <a:endParaRPr lang="ru-RU" dirty="0"/>
           </a:p>
         </p:txBody>
       </p:sp>
@@ -1068,9 +1068,9 @@
           <a:p>
             <a:fld id="{B4C71EC6-210F-42DE-9C53-41977AD35B3D}" type="datetimeFigureOut">
               <a:rPr lang="ru-RU" smtClean="0"/>
-              <a:t>23.06.2018</a:t>
+              <a:t>24.06.2018</a:t>
             </a:fld>
-            <a:endParaRPr lang="ru-RU"/>
+            <a:endParaRPr lang="ru-RU" dirty="0"/>
           </a:p>
         </p:txBody>
       </p:sp>
@@ -1089,7 +1089,7 @@
           <a:bodyPr/>
           <a:lstStyle/>
           <a:p>
-            <a:endParaRPr lang="ru-RU"/>
+            <a:endParaRPr lang="ru-RU" dirty="0"/>
           </a:p>
         </p:txBody>
       </p:sp>
@@ -1112,7 +1112,7 @@
               <a:rPr lang="ru-RU" smtClean="0"/>
               <a:t>‹#›</a:t>
             </a:fld>
-            <a:endParaRPr lang="ru-RU"/>
+            <a:endParaRPr lang="ru-RU" dirty="0"/>
           </a:p>
         </p:txBody>
       </p:sp>
@@ -1233,9 +1233,9 @@
           <a:p>
             <a:fld id="{B4C71EC6-210F-42DE-9C53-41977AD35B3D}" type="datetimeFigureOut">
               <a:rPr lang="ru-RU" smtClean="0"/>
-              <a:t>23.06.2018</a:t>
+              <a:t>24.06.2018</a:t>
             </a:fld>
-            <a:endParaRPr lang="ru-RU"/>
+            <a:endParaRPr lang="ru-RU" dirty="0"/>
           </a:p>
         </p:txBody>
       </p:sp>
@@ -1254,7 +1254,7 @@
           <a:bodyPr/>
           <a:lstStyle/>
           <a:p>
-            <a:endParaRPr lang="ru-RU"/>
+            <a:endParaRPr lang="ru-RU" dirty="0"/>
           </a:p>
         </p:txBody>
       </p:sp>
@@ -1277,7 +1277,7 @@
               <a:rPr lang="ru-RU" smtClean="0"/>
               <a:t>‹#›</a:t>
             </a:fld>
-            <a:endParaRPr lang="ru-RU"/>
+            <a:endParaRPr lang="ru-RU" dirty="0"/>
           </a:p>
         </p:txBody>
       </p:sp>
@@ -1475,9 +1475,9 @@
           <a:p>
             <a:fld id="{B4C71EC6-210F-42DE-9C53-41977AD35B3D}" type="datetimeFigureOut">
               <a:rPr lang="ru-RU" smtClean="0"/>
-              <a:t>23.06.2018</a:t>
+              <a:t>24.06.2018</a:t>
             </a:fld>
-            <a:endParaRPr lang="ru-RU"/>
+            <a:endParaRPr lang="ru-RU" dirty="0"/>
           </a:p>
         </p:txBody>
       </p:sp>
@@ -1496,7 +1496,7 @@
           <a:bodyPr/>
           <a:lstStyle/>
           <a:p>
-            <a:endParaRPr lang="ru-RU"/>
+            <a:endParaRPr lang="ru-RU" dirty="0"/>
           </a:p>
         </p:txBody>
       </p:sp>
@@ -1519,7 +1519,7 @@
               <a:rPr lang="ru-RU" smtClean="0"/>
               <a:t>‹#›</a:t>
             </a:fld>
-            <a:endParaRPr lang="ru-RU"/>
+            <a:endParaRPr lang="ru-RU" dirty="0"/>
           </a:p>
         </p:txBody>
       </p:sp>
@@ -1739,9 +1739,9 @@
           <a:p>
             <a:fld id="{B4C71EC6-210F-42DE-9C53-41977AD35B3D}" type="datetimeFigureOut">
               <a:rPr lang="ru-RU" smtClean="0"/>
-              <a:t>23.06.2018</a:t>
+              <a:t>24.06.2018</a:t>
             </a:fld>
-            <a:endParaRPr lang="ru-RU"/>
+            <a:endParaRPr lang="ru-RU" dirty="0"/>
           </a:p>
         </p:txBody>
       </p:sp>
@@ -1760,7 +1760,7 @@
           <a:bodyPr/>
           <a:lstStyle/>
           <a:p>
-            <a:endParaRPr lang="ru-RU"/>
+            <a:endParaRPr lang="ru-RU" dirty="0"/>
           </a:p>
         </p:txBody>
       </p:sp>
@@ -1783,7 +1783,7 @@
               <a:rPr lang="ru-RU" smtClean="0"/>
               <a:t>‹#›</a:t>
             </a:fld>
-            <a:endParaRPr lang="ru-RU"/>
+            <a:endParaRPr lang="ru-RU" dirty="0"/>
           </a:p>
         </p:txBody>
       </p:sp>
@@ -2117,9 +2117,9 @@
           <a:p>
             <a:fld id="{B4C71EC6-210F-42DE-9C53-41977AD35B3D}" type="datetimeFigureOut">
               <a:rPr lang="ru-RU" smtClean="0"/>
-              <a:t>23.06.2018</a:t>
+              <a:t>24.06.2018</a:t>
             </a:fld>
-            <a:endParaRPr lang="ru-RU"/>
+            <a:endParaRPr lang="ru-RU" dirty="0"/>
           </a:p>
         </p:txBody>
       </p:sp>
@@ -2138,7 +2138,7 @@
           <a:bodyPr/>
           <a:lstStyle/>
           <a:p>
-            <a:endParaRPr lang="ru-RU"/>
+            <a:endParaRPr lang="ru-RU" dirty="0"/>
           </a:p>
         </p:txBody>
       </p:sp>
@@ -2161,7 +2161,7 @@
               <a:rPr lang="ru-RU" smtClean="0"/>
               <a:t>‹#›</a:t>
             </a:fld>
-            <a:endParaRPr lang="ru-RU"/>
+            <a:endParaRPr lang="ru-RU" dirty="0"/>
           </a:p>
         </p:txBody>
       </p:sp>
@@ -2267,9 +2267,9 @@
           <a:p>
             <a:fld id="{B4C71EC6-210F-42DE-9C53-41977AD35B3D}" type="datetimeFigureOut">
               <a:rPr lang="ru-RU" smtClean="0"/>
-              <a:t>23.06.2018</a:t>
+              <a:t>24.06.2018</a:t>
             </a:fld>
-            <a:endParaRPr lang="ru-RU"/>
+            <a:endParaRPr lang="ru-RU" dirty="0"/>
           </a:p>
         </p:txBody>
       </p:sp>
@@ -2288,7 +2288,7 @@
           <a:bodyPr/>
           <a:lstStyle/>
           <a:p>
-            <a:endParaRPr lang="ru-RU"/>
+            <a:endParaRPr lang="ru-RU" dirty="0"/>
           </a:p>
         </p:txBody>
       </p:sp>
@@ -2311,7 +2311,7 @@
               <a:rPr lang="ru-RU" smtClean="0"/>
               <a:t>‹#›</a:t>
             </a:fld>
-            <a:endParaRPr lang="ru-RU"/>
+            <a:endParaRPr lang="ru-RU" dirty="0"/>
           </a:p>
         </p:txBody>
       </p:sp>
@@ -2357,9 +2357,9 @@
           <a:p>
             <a:fld id="{B4C71EC6-210F-42DE-9C53-41977AD35B3D}" type="datetimeFigureOut">
               <a:rPr lang="ru-RU" smtClean="0"/>
-              <a:t>23.06.2018</a:t>
+              <a:t>24.06.2018</a:t>
             </a:fld>
-            <a:endParaRPr lang="ru-RU"/>
+            <a:endParaRPr lang="ru-RU" dirty="0"/>
           </a:p>
         </p:txBody>
       </p:sp>
@@ -2378,7 +2378,7 @@
           <a:bodyPr/>
           <a:lstStyle/>
           <a:p>
-            <a:endParaRPr lang="ru-RU"/>
+            <a:endParaRPr lang="ru-RU" dirty="0"/>
           </a:p>
         </p:txBody>
       </p:sp>
@@ -2401,7 +2401,7 @@
               <a:rPr lang="ru-RU" smtClean="0"/>
               <a:t>‹#›</a:t>
             </a:fld>
-            <a:endParaRPr lang="ru-RU"/>
+            <a:endParaRPr lang="ru-RU" dirty="0"/>
           </a:p>
         </p:txBody>
       </p:sp>
@@ -2618,9 +2618,9 @@
           <a:p>
             <a:fld id="{B4C71EC6-210F-42DE-9C53-41977AD35B3D}" type="datetimeFigureOut">
               <a:rPr lang="ru-RU" smtClean="0"/>
-              <a:t>23.06.2018</a:t>
+              <a:t>24.06.2018</a:t>
             </a:fld>
-            <a:endParaRPr lang="ru-RU"/>
+            <a:endParaRPr lang="ru-RU" dirty="0"/>
           </a:p>
         </p:txBody>
       </p:sp>
@@ -2639,7 +2639,7 @@
           <a:bodyPr/>
           <a:lstStyle/>
           <a:p>
-            <a:endParaRPr lang="ru-RU"/>
+            <a:endParaRPr lang="ru-RU" dirty="0"/>
           </a:p>
         </p:txBody>
       </p:sp>
@@ -2662,7 +2662,7 @@
               <a:rPr lang="ru-RU" smtClean="0"/>
               <a:t>‹#›</a:t>
             </a:fld>
-            <a:endParaRPr lang="ru-RU"/>
+            <a:endParaRPr lang="ru-RU" dirty="0"/>
           </a:p>
         </p:txBody>
       </p:sp>
@@ -2744,7 +2744,7 @@
           <a:lstStyle/>
           <a:p>
             <a:pPr algn="ctr" eaLnBrk="1" latinLnBrk="0" hangingPunct="1"/>
-            <a:endParaRPr kumimoji="0" lang="en-US"/>
+            <a:endParaRPr kumimoji="0" lang="en-US" dirty="0"/>
           </a:p>
         </p:txBody>
       </p:sp>
@@ -2799,7 +2799,7 @@
           <a:lstStyle/>
           <a:p>
             <a:pPr algn="ctr" eaLnBrk="1" latinLnBrk="0" hangingPunct="1"/>
-            <a:endParaRPr kumimoji="0" lang="en-US"/>
+            <a:endParaRPr kumimoji="0" lang="en-US" dirty="0"/>
           </a:p>
         </p:txBody>
       </p:sp>
@@ -2906,9 +2906,9 @@
           <a:p>
             <a:fld id="{B4C71EC6-210F-42DE-9C53-41977AD35B3D}" type="datetimeFigureOut">
               <a:rPr lang="ru-RU" smtClean="0"/>
-              <a:t>23.06.2018</a:t>
+              <a:t>24.06.2018</a:t>
             </a:fld>
-            <a:endParaRPr lang="ru-RU"/>
+            <a:endParaRPr lang="ru-RU" dirty="0"/>
           </a:p>
         </p:txBody>
       </p:sp>
@@ -2927,7 +2927,7 @@
           <a:bodyPr/>
           <a:lstStyle/>
           <a:p>
-            <a:endParaRPr lang="ru-RU"/>
+            <a:endParaRPr lang="ru-RU" dirty="0"/>
           </a:p>
         </p:txBody>
       </p:sp>
@@ -2955,7 +2955,7 @@
               <a:rPr lang="ru-RU" smtClean="0"/>
               <a:t>‹#›</a:t>
             </a:fld>
-            <a:endParaRPr lang="ru-RU"/>
+            <a:endParaRPr lang="ru-RU" dirty="0"/>
           </a:p>
         </p:txBody>
       </p:sp>
@@ -2998,7 +2998,7 @@
           </a:lstStyle>
           <a:p>
             <a:r>
-              <a:rPr kumimoji="0" lang="ru-RU" smtClean="0"/>
+              <a:rPr kumimoji="0" lang="ru-RU" dirty="0" smtClean="0"/>
               <a:t>Вставка рисунка</a:t>
             </a:r>
             <a:endParaRPr kumimoji="0" lang="en-US" dirty="0"/>
@@ -3137,7 +3137,7 @@
           <a:lstStyle/>
           <a:p>
             <a:pPr marL="0" algn="l" rtl="0" eaLnBrk="1" latinLnBrk="0" hangingPunct="1"/>
-            <a:endParaRPr kumimoji="0" lang="en-US">
+            <a:endParaRPr kumimoji="0" lang="en-US" dirty="0">
               <a:solidFill>
                 <a:schemeClr val="tx1"/>
               </a:solidFill>
@@ -3250,7 +3250,7 @@
           <a:lstStyle/>
           <a:p>
             <a:pPr marL="0" algn="l" rtl="0" eaLnBrk="1" latinLnBrk="0" hangingPunct="1"/>
-            <a:endParaRPr kumimoji="0" lang="en-US">
+            <a:endParaRPr kumimoji="0" lang="en-US" dirty="0">
               <a:solidFill>
                 <a:schemeClr val="tx1"/>
               </a:solidFill>
@@ -3423,7 +3423,7 @@
           <a:lstStyle/>
           <a:p>
             <a:pPr marL="0" algn="l" rtl="0" eaLnBrk="1" latinLnBrk="0" hangingPunct="1"/>
-            <a:endParaRPr kumimoji="0" lang="en-US">
+            <a:endParaRPr kumimoji="0" lang="en-US" dirty="0">
               <a:solidFill>
                 <a:schemeClr val="tx1"/>
               </a:solidFill>
@@ -3536,7 +3536,7 @@
           <a:lstStyle/>
           <a:p>
             <a:pPr marL="0" algn="l" rtl="0" eaLnBrk="1" latinLnBrk="0" hangingPunct="1"/>
-            <a:endParaRPr kumimoji="0" lang="en-US">
+            <a:endParaRPr kumimoji="0" lang="en-US" dirty="0">
               <a:solidFill>
                 <a:schemeClr val="tx1"/>
               </a:solidFill>
@@ -3677,9 +3677,9 @@
           <a:p>
             <a:fld id="{B4C71EC6-210F-42DE-9C53-41977AD35B3D}" type="datetimeFigureOut">
               <a:rPr lang="ru-RU" smtClean="0"/>
-              <a:t>23.06.2018</a:t>
+              <a:t>24.06.2018</a:t>
             </a:fld>
-            <a:endParaRPr lang="ru-RU"/>
+            <a:endParaRPr lang="ru-RU" dirty="0"/>
           </a:p>
         </p:txBody>
       </p:sp>
@@ -3716,7 +3716,7 @@
             </a:lvl1pPr>
           </a:lstStyle>
           <a:p>
-            <a:endParaRPr lang="ru-RU"/>
+            <a:endParaRPr lang="ru-RU" dirty="0"/>
           </a:p>
         </p:txBody>
       </p:sp>
@@ -3757,7 +3757,7 @@
               <a:rPr lang="ru-RU" smtClean="0"/>
               <a:t>‹#›</a:t>
             </a:fld>
-            <a:endParaRPr lang="ru-RU"/>
+            <a:endParaRPr lang="ru-RU" dirty="0"/>
           </a:p>
         </p:txBody>
       </p:sp>
@@ -3873,7 +3873,7 @@
             <a:bodyPr vert="horz" wrap="square" lIns="91440" tIns="45720" rIns="91440" bIns="45720" anchor="t" compatLnSpc="1"/>
             <a:lstStyle/>
             <a:p>
-              <a:endParaRPr kumimoji="0" lang="en-US"/>
+              <a:endParaRPr kumimoji="0" lang="en-US" dirty="0"/>
             </a:p>
           </p:txBody>
         </p:sp>
@@ -3970,7 +3970,7 @@
             <a:bodyPr vert="horz" wrap="square" lIns="91440" tIns="45720" rIns="91440" bIns="45720" anchor="t" compatLnSpc="1"/>
             <a:lstStyle/>
             <a:p>
-              <a:endParaRPr kumimoji="0" lang="en-US"/>
+              <a:endParaRPr kumimoji="0" lang="en-US" dirty="0"/>
             </a:p>
           </p:txBody>
         </p:sp>
@@ -4886,47 +4886,23 @@
           <a:p>
             <a:pPr algn="l"/>
             <a:r>
-              <a:rPr lang="uk-UA" sz="2400" dirty="0" err="1">
+              <a:rPr lang="uk-UA" sz="2400" dirty="0">
                 <a:solidFill>
                   <a:schemeClr val="tx1"/>
                 </a:solidFill>
               </a:rPr>
-              <a:t>Гудан</a:t>
-            </a:r>
-            <a:r>
-              <a:rPr lang="uk-UA" sz="2400" dirty="0">
+              <a:t>Гудан Ю. В.</a:t>
+            </a:r>
+          </a:p>
+          <a:p>
+            <a:pPr algn="l"/>
+            <a:r>
+              <a:rPr lang="uk-UA" sz="2400" dirty="0" smtClean="0">
                 <a:solidFill>
                   <a:schemeClr val="tx1"/>
                 </a:solidFill>
               </a:rPr>
-              <a:t> Ю. В.</a:t>
-            </a:r>
-          </a:p>
-          <a:p>
-            <a:pPr algn="l"/>
-            <a:r>
-              <a:rPr lang="uk-UA" sz="2400" dirty="0" smtClean="0">
-                <a:solidFill>
-                  <a:schemeClr val="tx1"/>
-                </a:solidFill>
-              </a:rPr>
-              <a:t>Керівник:</a:t>
-            </a:r>
-            <a:r>
-              <a:rPr lang="uk-UA" sz="2400" dirty="0" err="1" smtClean="0">
-                <a:solidFill>
-                  <a:schemeClr val="tx1"/>
-                </a:solidFill>
-              </a:rPr>
-              <a:t>Серьогіна</a:t>
-            </a:r>
-            <a:r>
-              <a:rPr lang="uk-UA" sz="2400" dirty="0" smtClean="0">
-                <a:solidFill>
-                  <a:schemeClr val="tx1"/>
-                </a:solidFill>
-              </a:rPr>
-              <a:t> </a:t>
+              <a:t>Керівник:Серьогіна </a:t>
             </a:r>
             <a:r>
               <a:rPr lang="uk-UA" sz="2400" dirty="0">
@@ -5191,23 +5167,7 @@
                   <a:srgbClr val="002060"/>
                 </a:solidFill>
               </a:rPr>
-              <a:t>Розроблене </a:t>
-            </a:r>
-            <a:r>
-              <a:rPr lang="uk-UA" dirty="0" smtClean="0">
-                <a:solidFill>
-                  <a:srgbClr val="002060"/>
-                </a:solidFill>
-              </a:rPr>
-              <a:t>електронне </a:t>
-            </a:r>
-            <a:r>
-              <a:rPr lang="uk-UA" dirty="0" smtClean="0">
-                <a:solidFill>
-                  <a:srgbClr val="002060"/>
-                </a:solidFill>
-              </a:rPr>
-              <a:t>меню для закладів громадського харчування</a:t>
+              <a:t>Розроблене електронне меню для закладів громадського харчування</a:t>
             </a:r>
             <a:r>
               <a:rPr lang="uk-UA" dirty="0">
